--- a/01_day.pptx
+++ b/01_day.pptx
@@ -6,6 +6,7 @@
   </p:sldMasterIdLst>
   <p:sldIdLst>
     <p:sldId id="256" r:id="rId2"/>
+    <p:sldId id="257" r:id="rId3"/>
   </p:sldIdLst>
   <p:sldSz cx="9144000" cy="6858000" type="screen4x3"/>
   <p:notesSz cx="6858000" cy="9144000"/>
@@ -3102,8 +3103,8 @@
         </p:nvSpPr>
         <p:spPr>
           <a:xfrm>
-            <a:off x="611560" y="260647"/>
-            <a:ext cx="5537221" cy="5632311"/>
+            <a:off x="35496" y="8064"/>
+            <a:ext cx="8957773" cy="6001643"/>
           </a:xfrm>
           <a:prstGeom prst="rect">
             <a:avLst/>
@@ -3212,8 +3213,24 @@
             </a:r>
             <a:r>
               <a:rPr lang="en-US" altLang="ko-KR" sz="2400"/>
-              <a:t>: gcc</a:t>
-            </a:r>
+              <a:t>: gcc =&gt; mingw-get-setup.exe : mingw.org </a:t>
+            </a:r>
+            <a:r>
+              <a:rPr lang="ko-KR" altLang="en-US" sz="2400"/>
+              <a:t>다운로드</a:t>
+            </a:r>
+            <a:endParaRPr lang="en-US" altLang="ko-KR" sz="2400"/>
+          </a:p>
+          <a:p>
+            <a:r>
+              <a:rPr lang="en-US" altLang="ko-KR" sz="2400"/>
+              <a:t>              gvim =&gt; vim.org </a:t>
+            </a:r>
+            <a:r>
+              <a:rPr lang="ko-KR" altLang="en-US" sz="2400"/>
+              <a:t>다운로드 </a:t>
+            </a:r>
+            <a:endParaRPr lang="en-US" altLang="ko-KR" sz="2400"/>
           </a:p>
           <a:p>
             <a:endParaRPr lang="en-US" altLang="ko-KR" sz="2400"/>
@@ -3284,6 +3301,360 @@
     <p:extLst>
       <p:ext uri="{BB962C8B-B14F-4D97-AF65-F5344CB8AC3E}">
         <p14:creationId xmlns:p14="http://schemas.microsoft.com/office/powerpoint/2010/main" val="2783738960"/>
+      </p:ext>
+    </p:extLst>
+  </p:cSld>
+  <p:clrMapOvr>
+    <a:masterClrMapping/>
+  </p:clrMapOvr>
+</p:sld>
+</file>
+
+<file path=ppt/slides/slide2.xml><?xml version="1.0" encoding="utf-8"?>
+<p:sld xmlns:a="http://schemas.openxmlformats.org/drawingml/2006/main" xmlns:r="http://schemas.openxmlformats.org/officeDocument/2006/relationships" xmlns:p="http://schemas.openxmlformats.org/presentationml/2006/main">
+  <p:cSld>
+    <p:spTree>
+      <p:nvGrpSpPr>
+        <p:cNvPr id="1" name=""/>
+        <p:cNvGrpSpPr/>
+        <p:nvPr/>
+      </p:nvGrpSpPr>
+      <p:grpSpPr>
+        <a:xfrm>
+          <a:off x="0" y="0"/>
+          <a:ext cx="0" cy="0"/>
+          <a:chOff x="0" y="0"/>
+          <a:chExt cx="0" cy="0"/>
+        </a:xfrm>
+      </p:grpSpPr>
+      <p:sp>
+        <p:nvSpPr>
+          <p:cNvPr id="4" name="TextBox 3"/>
+          <p:cNvSpPr txBox="1"/>
+          <p:nvPr/>
+        </p:nvSpPr>
+        <p:spPr>
+          <a:xfrm>
+            <a:off x="35496" y="0"/>
+            <a:ext cx="8704627" cy="5940088"/>
+          </a:xfrm>
+          <a:prstGeom prst="rect">
+            <a:avLst/>
+          </a:prstGeom>
+          <a:noFill/>
+        </p:spPr>
+        <p:txBody>
+          <a:bodyPr wrap="none" rtlCol="0">
+            <a:spAutoFit/>
+          </a:bodyPr>
+          <a:lstStyle/>
+          <a:p>
+            <a:r>
+              <a:rPr lang="ko-KR" altLang="en-US" sz="2000"/>
+              <a:t>수업 내용 </a:t>
+            </a:r>
+            <a:endParaRPr lang="en-US" altLang="ko-KR" sz="2000"/>
+          </a:p>
+          <a:p>
+            <a:endParaRPr lang="en-US" altLang="ko-KR" sz="2000"/>
+          </a:p>
+          <a:p>
+            <a:r>
+              <a:rPr lang="en-US" altLang="ko-KR" sz="2000" b="1"/>
+              <a:t>- </a:t>
+            </a:r>
+            <a:r>
+              <a:rPr lang="ko-KR" altLang="en-US" sz="2000" b="1"/>
+              <a:t>오픈소스 자료구조를 보기 위한 고급 </a:t>
+            </a:r>
+            <a:r>
+              <a:rPr lang="en-US" altLang="ko-KR" sz="2000" b="1"/>
+              <a:t>C</a:t>
+            </a:r>
+          </a:p>
+          <a:p>
+            <a:r>
+              <a:rPr lang="en-US" altLang="ko-KR" sz="2000" b="1"/>
+              <a:t>- </a:t>
+            </a:r>
+            <a:r>
+              <a:rPr lang="ko-KR" altLang="en-US" sz="2000" b="1"/>
+              <a:t>확장 </a:t>
+            </a:r>
+            <a:r>
+              <a:rPr lang="en-US" altLang="ko-KR" sz="2000" b="1"/>
+              <a:t>bitmap </a:t>
+            </a:r>
+            <a:r>
+              <a:rPr lang="ko-KR" altLang="en-US" sz="2000" b="1"/>
+              <a:t>라이브러리 만들기 </a:t>
+            </a:r>
+            <a:r>
+              <a:rPr lang="en-US" altLang="ko-KR" sz="2000" b="1"/>
+              <a:t> : &amp;, | , ~ , &lt;&lt;, &gt;&gt; </a:t>
+            </a:r>
+          </a:p>
+          <a:p>
+            <a:r>
+              <a:rPr lang="en-US" altLang="ko-KR" sz="2000" b="1"/>
+              <a:t>- Generic linked</a:t>
+            </a:r>
+            <a:r>
+              <a:rPr lang="ko-KR" altLang="en-US" sz="2000" b="1"/>
+              <a:t> </a:t>
+            </a:r>
+            <a:r>
+              <a:rPr lang="en-US" altLang="ko-KR" sz="2000" b="1"/>
+              <a:t>list</a:t>
+            </a:r>
+            <a:r>
+              <a:rPr lang="ko-KR" altLang="en-US" sz="2000" b="1"/>
+              <a:t> </a:t>
+            </a:r>
+            <a:endParaRPr lang="en-US" altLang="ko-KR" sz="2000" b="1"/>
+          </a:p>
+          <a:p>
+            <a:r>
+              <a:rPr lang="en-US" altLang="ko-KR" sz="2000" b="1"/>
+              <a:t>- Generic </a:t>
+            </a:r>
+            <a:r>
+              <a:rPr lang="ko-KR" altLang="en-US" sz="2000" b="1"/>
+              <a:t> </a:t>
+            </a:r>
+            <a:r>
+              <a:rPr lang="en-US" altLang="ko-KR" sz="2000" b="1"/>
+              <a:t>Hash</a:t>
+            </a:r>
+          </a:p>
+          <a:p>
+            <a:r>
+              <a:rPr lang="en-US" altLang="ko-KR" sz="2000" b="1"/>
+              <a:t>- Red Black   Binary Search Tree</a:t>
+            </a:r>
+          </a:p>
+          <a:p>
+            <a:r>
+              <a:rPr lang="en-US" altLang="ko-KR" sz="2000" b="1"/>
+              <a:t>- </a:t>
+            </a:r>
+            <a:r>
+              <a:rPr lang="ko-KR" altLang="en-US" sz="2000" b="1"/>
+              <a:t>증강 </a:t>
+            </a:r>
+            <a:r>
+              <a:rPr lang="en-US" altLang="ko-KR" sz="2000" b="1"/>
+              <a:t>Tree  </a:t>
+            </a:r>
+            <a:r>
+              <a:rPr lang="ko-KR" altLang="en-US" sz="2000" b="1"/>
+              <a:t> </a:t>
+            </a:r>
+            <a:endParaRPr lang="en-US" altLang="ko-KR" sz="2000" b="1"/>
+          </a:p>
+          <a:p>
+            <a:r>
+              <a:rPr lang="en-US" altLang="ko-KR" sz="2000" b="1"/>
+              <a:t>- Interval</a:t>
+            </a:r>
+            <a:r>
+              <a:rPr lang="ko-KR" altLang="en-US" sz="2000" b="1"/>
+              <a:t> </a:t>
+            </a:r>
+            <a:r>
+              <a:rPr lang="en-US" altLang="ko-KR" sz="2000" b="1"/>
+              <a:t>Tree</a:t>
+            </a:r>
+            <a:r>
+              <a:rPr lang="ko-KR" altLang="en-US" sz="2000" b="1"/>
+              <a:t> </a:t>
+            </a:r>
+            <a:endParaRPr lang="en-US" altLang="ko-KR" sz="2000" b="1"/>
+          </a:p>
+          <a:p>
+            <a:r>
+              <a:rPr lang="en-US" altLang="ko-KR" sz="2000" b="1"/>
+              <a:t>- Flexible Array</a:t>
+            </a:r>
+          </a:p>
+          <a:p>
+            <a:r>
+              <a:rPr lang="en-US" altLang="ko-KR" sz="2000" b="1"/>
+              <a:t>//-----------------------------------------------------------------</a:t>
+            </a:r>
+          </a:p>
+          <a:p>
+            <a:r>
+              <a:rPr lang="en-US" altLang="ko-KR" sz="2000" b="1"/>
+              <a:t>- </a:t>
+            </a:r>
+            <a:r>
+              <a:rPr lang="ko-KR" altLang="en-US" sz="2000" b="1"/>
+              <a:t>패턴매칭 </a:t>
+            </a:r>
+            <a:r>
+              <a:rPr lang="en-US" altLang="ko-KR" sz="2000" b="1"/>
+              <a:t>: BF, KR, SO, MP, KMP,</a:t>
+            </a:r>
+            <a:r>
+              <a:rPr lang="ko-KR" altLang="en-US" sz="2000" b="1"/>
+              <a:t> </a:t>
+            </a:r>
+            <a:r>
+              <a:rPr lang="en-US" altLang="ko-KR" sz="2000" b="1"/>
+              <a:t>BM ...</a:t>
+            </a:r>
+          </a:p>
+          <a:p>
+            <a:r>
+              <a:rPr lang="en-US" altLang="ko-KR" sz="2000" b="1"/>
+              <a:t>- Generic Algorithm ( swap, sort )</a:t>
+            </a:r>
+          </a:p>
+          <a:p>
+            <a:r>
+              <a:rPr lang="en-US" altLang="ko-KR" sz="2000" b="1"/>
+              <a:t>- Bit</a:t>
+            </a:r>
+            <a:r>
+              <a:rPr lang="ko-KR" altLang="en-US" sz="2000" b="1"/>
+              <a:t> </a:t>
+            </a:r>
+            <a:r>
+              <a:rPr lang="en-US" altLang="ko-KR" sz="2000" b="1"/>
+              <a:t>Search</a:t>
+            </a:r>
+            <a:r>
+              <a:rPr lang="ko-KR" altLang="en-US" sz="2000" b="1"/>
+              <a:t> </a:t>
+            </a:r>
+            <a:r>
+              <a:rPr lang="en-US" altLang="ko-KR" sz="2000" b="1"/>
+              <a:t>Algorithm : ffs,</a:t>
+            </a:r>
+            <a:r>
+              <a:rPr lang="ko-KR" altLang="en-US" sz="2000" b="1"/>
+              <a:t> </a:t>
+            </a:r>
+            <a:r>
+              <a:rPr lang="en-US" altLang="ko-KR" sz="2000" b="1"/>
+              <a:t>find_next_bit, hweight , bit_rev</a:t>
+            </a:r>
+          </a:p>
+          <a:p>
+            <a:r>
+              <a:rPr lang="en-US" altLang="ko-KR" sz="2000" b="1"/>
+              <a:t>- </a:t>
+            </a:r>
+            <a:r>
+              <a:rPr lang="ko-KR" altLang="en-US" sz="2000" b="1"/>
+              <a:t>무결성 검사 </a:t>
+            </a:r>
+            <a:r>
+              <a:rPr lang="en-US" altLang="ko-KR" sz="2000" b="1"/>
+              <a:t>:  Parity =&gt; Check Sum =&gt; CRC8</a:t>
+            </a:r>
+          </a:p>
+          <a:p>
+            <a:r>
+              <a:rPr lang="en-US" altLang="ko-KR" sz="2000"/>
+              <a:t>//-----------------------------------------------------------------</a:t>
+            </a:r>
+          </a:p>
+          <a:p>
+            <a:r>
+              <a:rPr lang="en-US" altLang="ko-KR" sz="2000"/>
+              <a:t>- </a:t>
+            </a:r>
+            <a:r>
+              <a:rPr lang="ko-KR" altLang="en-US" sz="2000"/>
+              <a:t>암호학 </a:t>
+            </a:r>
+            <a:r>
+              <a:rPr lang="en-US" altLang="ko-KR" sz="2000"/>
+              <a:t>: </a:t>
+            </a:r>
+            <a:r>
+              <a:rPr lang="ko-KR" altLang="en-US" sz="2000"/>
+              <a:t>단일키 암호화 알고리즘 </a:t>
+            </a:r>
+            <a:r>
+              <a:rPr lang="en-US" altLang="ko-KR" sz="2000"/>
+              <a:t>( DES ), </a:t>
+            </a:r>
+            <a:r>
+              <a:rPr lang="ko-KR" altLang="en-US" sz="2000"/>
+              <a:t>공개키 암호화 알고리즘</a:t>
+            </a:r>
+            <a:r>
+              <a:rPr lang="en-US" altLang="ko-KR" sz="2000"/>
+              <a:t>( RSA )</a:t>
+            </a:r>
+          </a:p>
+          <a:p>
+            <a:r>
+              <a:rPr lang="en-US" altLang="ko-KR" sz="2000"/>
+              <a:t>- </a:t>
+            </a:r>
+            <a:r>
+              <a:rPr lang="ko-KR" altLang="en-US" sz="2000"/>
+              <a:t>압축 </a:t>
+            </a:r>
+            <a:r>
+              <a:rPr lang="en-US" altLang="ko-KR" sz="2000"/>
+              <a:t>:  RLE, Lempel Zib ,  </a:t>
+            </a:r>
+            <a:r>
+              <a:rPr lang="ko-KR" altLang="en-US" sz="2000"/>
+              <a:t>허프만 인코딩 </a:t>
+            </a:r>
+            <a:endParaRPr lang="en-US" altLang="ko-KR" sz="2000"/>
+          </a:p>
+          <a:p>
+            <a:r>
+              <a:rPr lang="en-US" altLang="ko-KR" sz="2000"/>
+              <a:t>- </a:t>
+            </a:r>
+            <a:r>
+              <a:rPr lang="ko-KR" altLang="en-US" sz="2000"/>
+              <a:t>기하학 </a:t>
+            </a:r>
+            <a:r>
+              <a:rPr lang="en-US" altLang="ko-KR" sz="2000"/>
+              <a:t>: </a:t>
+            </a:r>
+            <a:r>
+              <a:rPr lang="ko-KR" altLang="en-US" sz="2000"/>
+              <a:t>브레즌햄 알고리즘 </a:t>
+            </a:r>
+            <a:r>
+              <a:rPr lang="en-US" altLang="ko-KR" sz="2000"/>
+              <a:t> ( line </a:t>
+            </a:r>
+            <a:r>
+              <a:rPr lang="ko-KR" altLang="en-US" sz="2000"/>
+              <a:t>그리기 </a:t>
+            </a:r>
+            <a:r>
+              <a:rPr lang="en-US" altLang="ko-KR" sz="2000"/>
+              <a:t>, </a:t>
+            </a:r>
+            <a:r>
+              <a:rPr lang="ko-KR" altLang="en-US" sz="2000"/>
+              <a:t>원 그리기 </a:t>
+            </a:r>
+            <a:r>
+              <a:rPr lang="en-US" altLang="ko-KR" sz="2000"/>
+              <a:t>) </a:t>
+            </a:r>
+            <a:endParaRPr lang="ko-KR" altLang="en-US" sz="2000"/>
+          </a:p>
+        </p:txBody>
+      </p:sp>
+    </p:spTree>
+    <p:extLst>
+      <p:ext uri="{BB962C8B-B14F-4D97-AF65-F5344CB8AC3E}">
+        <p14:creationId xmlns:p14="http://schemas.microsoft.com/office/powerpoint/2010/main" val="1529001108"/>
       </p:ext>
     </p:extLst>
   </p:cSld>

--- a/01_day.pptx
+++ b/01_day.pptx
@@ -41,6 +41,14 @@
     <p:sldId id="289" r:id="rId35"/>
     <p:sldId id="290" r:id="rId36"/>
     <p:sldId id="291" r:id="rId37"/>
+    <p:sldId id="292" r:id="rId38"/>
+    <p:sldId id="293" r:id="rId39"/>
+    <p:sldId id="294" r:id="rId40"/>
+    <p:sldId id="295" r:id="rId41"/>
+    <p:sldId id="296" r:id="rId42"/>
+    <p:sldId id="297" r:id="rId43"/>
+    <p:sldId id="298" r:id="rId44"/>
+    <p:sldId id="299" r:id="rId45"/>
   </p:sldIdLst>
   <p:sldSz cx="9144000" cy="6858000" type="screen4x3"/>
   <p:notesSz cx="6858000" cy="9144000"/>
@@ -34942,16 +34950,12 @@
           </a:p>
           <a:p>
             <a:r>
-              <a:rPr lang="en-US" altLang="ko-KR" sz="2000" b="1"/>
-              <a:t>-</a:t>
-            </a:r>
-            <a:r>
               <a:rPr lang="en-US" altLang="ko-KR" sz="2000" b="1">
                 <a:solidFill>
                   <a:srgbClr val="FF0000"/>
                 </a:solidFill>
               </a:rPr>
-              <a:t> </a:t>
+              <a:t>- </a:t>
             </a:r>
             <a:r>
               <a:rPr lang="ko-KR" altLang="en-US" sz="2000" b="1">
@@ -34959,14 +34963,14 @@
                   <a:srgbClr val="FF0000"/>
                 </a:solidFill>
               </a:rPr>
-              <a:t>오픈소</a:t>
-            </a:r>
-            <a:r>
-              <a:rPr lang="ko-KR" altLang="en-US" sz="2000" b="1"/>
-              <a:t>스 자료구조를 보기 위한 고급 </a:t>
-            </a:r>
-            <a:r>
-              <a:rPr lang="en-US" altLang="ko-KR" sz="2000" b="1"/>
+              <a:t>오픈소스 자료구조를 보기 위한 고급 </a:t>
+            </a:r>
+            <a:r>
+              <a:rPr lang="en-US" altLang="ko-KR" sz="2000" b="1">
+                <a:solidFill>
+                  <a:srgbClr val="FF0000"/>
+                </a:solidFill>
+              </a:rPr>
               <a:t>C</a:t>
             </a:r>
           </a:p>
@@ -45942,6 +45946,796 @@
 </p:sld>
 </file>
 
+<file path=ppt/slides/slide37.xml><?xml version="1.0" encoding="utf-8"?>
+<p:sld xmlns:a="http://schemas.openxmlformats.org/drawingml/2006/main" xmlns:r="http://schemas.openxmlformats.org/officeDocument/2006/relationships" xmlns:p="http://schemas.openxmlformats.org/presentationml/2006/main">
+  <p:cSld>
+    <p:spTree>
+      <p:nvGrpSpPr>
+        <p:cNvPr id="1" name=""/>
+        <p:cNvGrpSpPr/>
+        <p:nvPr/>
+      </p:nvGrpSpPr>
+      <p:grpSpPr>
+        <a:xfrm>
+          <a:off x="0" y="0"/>
+          <a:ext cx="0" cy="0"/>
+          <a:chOff x="0" y="0"/>
+          <a:chExt cx="0" cy="0"/>
+        </a:xfrm>
+      </p:grpSpPr>
+      <p:sp>
+        <p:nvSpPr>
+          <p:cNvPr id="6" name="TextBox 5">
+            <a:extLst>
+              <a:ext uri="{FF2B5EF4-FFF2-40B4-BE49-F238E27FC236}">
+                <a16:creationId xmlns:a16="http://schemas.microsoft.com/office/drawing/2014/main" id="{AA438800-BA19-4F33-89F2-A47F9DC3E315}"/>
+              </a:ext>
+            </a:extLst>
+          </p:cNvPr>
+          <p:cNvSpPr txBox="1"/>
+          <p:nvPr/>
+        </p:nvSpPr>
+        <p:spPr>
+          <a:xfrm>
+            <a:off x="179512" y="404664"/>
+            <a:ext cx="3929281" cy="3170099"/>
+          </a:xfrm>
+          <a:prstGeom prst="rect">
+            <a:avLst/>
+          </a:prstGeom>
+          <a:noFill/>
+        </p:spPr>
+        <p:txBody>
+          <a:bodyPr wrap="none" rtlCol="0">
+            <a:spAutoFit/>
+          </a:bodyPr>
+          <a:lstStyle/>
+          <a:p>
+            <a:r>
+              <a:rPr lang="en-US" altLang="ko-KR" sz="2000">
+                <a:latin typeface="Consolas" pitchFamily="49" charset="0"/>
+                <a:cs typeface="Consolas" pitchFamily="49" charset="0"/>
+              </a:rPr>
+              <a:t>void foo()</a:t>
+            </a:r>
+          </a:p>
+          <a:p>
+            <a:r>
+              <a:rPr lang="en-US" altLang="ko-KR" sz="2000">
+                <a:latin typeface="Consolas" pitchFamily="49" charset="0"/>
+                <a:cs typeface="Consolas" pitchFamily="49" charset="0"/>
+              </a:rPr>
+              <a:t>{</a:t>
+            </a:r>
+          </a:p>
+          <a:p>
+            <a:r>
+              <a:rPr lang="en-US" altLang="ko-KR" sz="2000">
+                <a:latin typeface="Consolas" pitchFamily="49" charset="0"/>
+                <a:cs typeface="Consolas" pitchFamily="49" charset="0"/>
+              </a:rPr>
+              <a:t>	printf("foo()\n");</a:t>
+            </a:r>
+          </a:p>
+          <a:p>
+            <a:r>
+              <a:rPr lang="en-US" altLang="ko-KR" sz="2000">
+                <a:latin typeface="Consolas" pitchFamily="49" charset="0"/>
+                <a:cs typeface="Consolas" pitchFamily="49" charset="0"/>
+              </a:rPr>
+              <a:t>}</a:t>
+            </a:r>
+          </a:p>
+          <a:p>
+            <a:endParaRPr lang="en-US" altLang="ko-KR" sz="2000">
+              <a:latin typeface="Consolas" pitchFamily="49" charset="0"/>
+              <a:cs typeface="Consolas" pitchFamily="49" charset="0"/>
+            </a:endParaRPr>
+          </a:p>
+          <a:p>
+            <a:r>
+              <a:rPr lang="en-US" altLang="ko-KR" sz="2000">
+                <a:latin typeface="Consolas" pitchFamily="49" charset="0"/>
+                <a:cs typeface="Consolas" pitchFamily="49" charset="0"/>
+              </a:rPr>
+              <a:t>int main()</a:t>
+            </a:r>
+          </a:p>
+          <a:p>
+            <a:r>
+              <a:rPr lang="en-US" altLang="ko-KR" sz="2000">
+                <a:latin typeface="Consolas" pitchFamily="49" charset="0"/>
+                <a:cs typeface="Consolas" pitchFamily="49" charset="0"/>
+              </a:rPr>
+              <a:t>{</a:t>
+            </a:r>
+          </a:p>
+          <a:p>
+            <a:r>
+              <a:rPr lang="en-US" altLang="ko-KR" sz="2000">
+                <a:latin typeface="Consolas" pitchFamily="49" charset="0"/>
+                <a:cs typeface="Consolas" pitchFamily="49" charset="0"/>
+              </a:rPr>
+              <a:t>	foo();  // call foo;</a:t>
+            </a:r>
+          </a:p>
+          <a:p>
+            <a:r>
+              <a:rPr lang="en-US" altLang="ko-KR" sz="2000">
+                <a:latin typeface="Consolas" pitchFamily="49" charset="0"/>
+                <a:cs typeface="Consolas" pitchFamily="49" charset="0"/>
+              </a:rPr>
+              <a:t>	return 0;</a:t>
+            </a:r>
+          </a:p>
+          <a:p>
+            <a:r>
+              <a:rPr lang="en-US" altLang="ko-KR" sz="2000">
+                <a:latin typeface="Consolas" pitchFamily="49" charset="0"/>
+                <a:cs typeface="Consolas" pitchFamily="49" charset="0"/>
+              </a:rPr>
+              <a:t>}</a:t>
+            </a:r>
+          </a:p>
+        </p:txBody>
+      </p:sp>
+      <p:sp>
+        <p:nvSpPr>
+          <p:cNvPr id="5" name="TextBox 4">
+            <a:extLst>
+              <a:ext uri="{FF2B5EF4-FFF2-40B4-BE49-F238E27FC236}">
+                <a16:creationId xmlns:a16="http://schemas.microsoft.com/office/drawing/2014/main" id="{ABED5400-C7E8-4B95-B29D-8BBA077B0DDB}"/>
+              </a:ext>
+            </a:extLst>
+          </p:cNvPr>
+          <p:cNvSpPr txBox="1"/>
+          <p:nvPr/>
+        </p:nvSpPr>
+        <p:spPr>
+          <a:xfrm>
+            <a:off x="4499992" y="332656"/>
+            <a:ext cx="4070345" cy="3170099"/>
+          </a:xfrm>
+          <a:prstGeom prst="rect">
+            <a:avLst/>
+          </a:prstGeom>
+          <a:noFill/>
+        </p:spPr>
+        <p:txBody>
+          <a:bodyPr wrap="none" rtlCol="0">
+            <a:spAutoFit/>
+          </a:bodyPr>
+          <a:lstStyle/>
+          <a:p>
+            <a:r>
+              <a:rPr lang="en-US" altLang="ko-KR" sz="2000">
+                <a:latin typeface="Consolas" pitchFamily="49" charset="0"/>
+                <a:cs typeface="Consolas" pitchFamily="49" charset="0"/>
+              </a:rPr>
+              <a:t>void foo()</a:t>
+            </a:r>
+          </a:p>
+          <a:p>
+            <a:r>
+              <a:rPr lang="en-US" altLang="ko-KR" sz="2000">
+                <a:latin typeface="Consolas" pitchFamily="49" charset="0"/>
+                <a:cs typeface="Consolas" pitchFamily="49" charset="0"/>
+              </a:rPr>
+              <a:t>{</a:t>
+            </a:r>
+          </a:p>
+          <a:p>
+            <a:r>
+              <a:rPr lang="en-US" altLang="ko-KR" sz="2000">
+                <a:latin typeface="Consolas" pitchFamily="49" charset="0"/>
+                <a:cs typeface="Consolas" pitchFamily="49" charset="0"/>
+              </a:rPr>
+              <a:t>	printf("foo()\n");</a:t>
+            </a:r>
+          </a:p>
+          <a:p>
+            <a:r>
+              <a:rPr lang="en-US" altLang="ko-KR" sz="2000">
+                <a:latin typeface="Consolas" pitchFamily="49" charset="0"/>
+                <a:cs typeface="Consolas" pitchFamily="49" charset="0"/>
+              </a:rPr>
+              <a:t>}</a:t>
+            </a:r>
+          </a:p>
+          <a:p>
+            <a:endParaRPr lang="en-US" altLang="ko-KR" sz="2000">
+              <a:latin typeface="Consolas" pitchFamily="49" charset="0"/>
+              <a:cs typeface="Consolas" pitchFamily="49" charset="0"/>
+            </a:endParaRPr>
+          </a:p>
+          <a:p>
+            <a:r>
+              <a:rPr lang="en-US" altLang="ko-KR" sz="2000">
+                <a:latin typeface="Consolas" pitchFamily="49" charset="0"/>
+                <a:cs typeface="Consolas" pitchFamily="49" charset="0"/>
+              </a:rPr>
+              <a:t>int main()</a:t>
+            </a:r>
+          </a:p>
+          <a:p>
+            <a:r>
+              <a:rPr lang="en-US" altLang="ko-KR" sz="2000">
+                <a:latin typeface="Consolas" pitchFamily="49" charset="0"/>
+                <a:cs typeface="Consolas" pitchFamily="49" charset="0"/>
+              </a:rPr>
+              <a:t>{</a:t>
+            </a:r>
+          </a:p>
+          <a:p>
+            <a:r>
+              <a:rPr lang="en-US" altLang="ko-KR" sz="2000">
+                <a:latin typeface="Consolas" pitchFamily="49" charset="0"/>
+                <a:cs typeface="Consolas" pitchFamily="49" charset="0"/>
+              </a:rPr>
+              <a:t>	foo;  // 0x12345678;</a:t>
+            </a:r>
+          </a:p>
+          <a:p>
+            <a:r>
+              <a:rPr lang="en-US" altLang="ko-KR" sz="2000">
+                <a:latin typeface="Consolas" pitchFamily="49" charset="0"/>
+                <a:cs typeface="Consolas" pitchFamily="49" charset="0"/>
+              </a:rPr>
+              <a:t>	return 0;</a:t>
+            </a:r>
+          </a:p>
+          <a:p>
+            <a:r>
+              <a:rPr lang="en-US" altLang="ko-KR" sz="2000">
+                <a:latin typeface="Consolas" pitchFamily="49" charset="0"/>
+                <a:cs typeface="Consolas" pitchFamily="49" charset="0"/>
+              </a:rPr>
+              <a:t>}</a:t>
+            </a:r>
+          </a:p>
+        </p:txBody>
+      </p:sp>
+    </p:spTree>
+    <p:extLst>
+      <p:ext uri="{BB962C8B-B14F-4D97-AF65-F5344CB8AC3E}">
+        <p14:creationId xmlns:p14="http://schemas.microsoft.com/office/powerpoint/2010/main" val="3548786264"/>
+      </p:ext>
+    </p:extLst>
+  </p:cSld>
+  <p:clrMapOvr>
+    <a:masterClrMapping/>
+  </p:clrMapOvr>
+</p:sld>
+</file>
+
+<file path=ppt/slides/slide38.xml><?xml version="1.0" encoding="utf-8"?>
+<p:sld xmlns:a="http://schemas.openxmlformats.org/drawingml/2006/main" xmlns:r="http://schemas.openxmlformats.org/officeDocument/2006/relationships" xmlns:p="http://schemas.openxmlformats.org/presentationml/2006/main">
+  <p:cSld>
+    <p:spTree>
+      <p:nvGrpSpPr>
+        <p:cNvPr id="1" name=""/>
+        <p:cNvGrpSpPr/>
+        <p:nvPr/>
+      </p:nvGrpSpPr>
+      <p:grpSpPr>
+        <a:xfrm>
+          <a:off x="0" y="0"/>
+          <a:ext cx="0" cy="0"/>
+          <a:chOff x="0" y="0"/>
+          <a:chExt cx="0" cy="0"/>
+        </a:xfrm>
+      </p:grpSpPr>
+      <p:sp>
+        <p:nvSpPr>
+          <p:cNvPr id="6" name="TextBox 5">
+            <a:extLst>
+              <a:ext uri="{FF2B5EF4-FFF2-40B4-BE49-F238E27FC236}">
+                <a16:creationId xmlns:a16="http://schemas.microsoft.com/office/drawing/2014/main" id="{AA438800-BA19-4F33-89F2-A47F9DC3E315}"/>
+              </a:ext>
+            </a:extLst>
+          </p:cNvPr>
+          <p:cNvSpPr txBox="1"/>
+          <p:nvPr/>
+        </p:nvSpPr>
+        <p:spPr>
+          <a:xfrm>
+            <a:off x="107504" y="116632"/>
+            <a:ext cx="4352474" cy="3785652"/>
+          </a:xfrm>
+          <a:prstGeom prst="rect">
+            <a:avLst/>
+          </a:prstGeom>
+          <a:noFill/>
+        </p:spPr>
+        <p:txBody>
+          <a:bodyPr wrap="none" rtlCol="0">
+            <a:spAutoFit/>
+          </a:bodyPr>
+          <a:lstStyle/>
+          <a:p>
+            <a:r>
+              <a:rPr lang="en-US" altLang="ko-KR" sz="2000">
+                <a:latin typeface="Consolas" pitchFamily="49" charset="0"/>
+                <a:cs typeface="Consolas" pitchFamily="49" charset="0"/>
+              </a:rPr>
+              <a:t>void foo(void) </a:t>
+            </a:r>
+          </a:p>
+          <a:p>
+            <a:r>
+              <a:rPr lang="en-US" altLang="ko-KR" sz="2000">
+                <a:latin typeface="Consolas" pitchFamily="49" charset="0"/>
+                <a:cs typeface="Consolas" pitchFamily="49" charset="0"/>
+              </a:rPr>
+              <a:t>{</a:t>
+            </a:r>
+          </a:p>
+          <a:p>
+            <a:r>
+              <a:rPr lang="en-US" altLang="ko-KR" sz="2000">
+                <a:latin typeface="Consolas" pitchFamily="49" charset="0"/>
+                <a:cs typeface="Consolas" pitchFamily="49" charset="0"/>
+              </a:rPr>
+              <a:t>	printf("foo(void)\n");</a:t>
+            </a:r>
+          </a:p>
+          <a:p>
+            <a:r>
+              <a:rPr lang="en-US" altLang="ko-KR" sz="2000">
+                <a:latin typeface="Consolas" pitchFamily="49" charset="0"/>
+                <a:cs typeface="Consolas" pitchFamily="49" charset="0"/>
+              </a:rPr>
+              <a:t>}</a:t>
+            </a:r>
+          </a:p>
+          <a:p>
+            <a:endParaRPr lang="en-US" altLang="ko-KR" sz="2000">
+              <a:latin typeface="Consolas" pitchFamily="49" charset="0"/>
+              <a:cs typeface="Consolas" pitchFamily="49" charset="0"/>
+            </a:endParaRPr>
+          </a:p>
+          <a:p>
+            <a:r>
+              <a:rPr lang="en-US" altLang="ko-KR" sz="2000">
+                <a:latin typeface="Consolas" pitchFamily="49" charset="0"/>
+                <a:cs typeface="Consolas" pitchFamily="49" charset="0"/>
+              </a:rPr>
+              <a:t>int main()</a:t>
+            </a:r>
+          </a:p>
+          <a:p>
+            <a:r>
+              <a:rPr lang="en-US" altLang="ko-KR" sz="2000">
+                <a:latin typeface="Consolas" pitchFamily="49" charset="0"/>
+                <a:cs typeface="Consolas" pitchFamily="49" charset="0"/>
+              </a:rPr>
+              <a:t>{</a:t>
+            </a:r>
+          </a:p>
+          <a:p>
+            <a:r>
+              <a:rPr lang="en-US" altLang="ko-KR" sz="2000">
+                <a:latin typeface="Consolas" pitchFamily="49" charset="0"/>
+                <a:cs typeface="Consolas" pitchFamily="49" charset="0"/>
+              </a:rPr>
+              <a:t>	void (*p)(void)  = foo;</a:t>
+            </a:r>
+          </a:p>
+          <a:p>
+            <a:r>
+              <a:rPr lang="en-US" altLang="ko-KR" sz="2000">
+                <a:latin typeface="Consolas" pitchFamily="49" charset="0"/>
+                <a:cs typeface="Consolas" pitchFamily="49" charset="0"/>
+              </a:rPr>
+              <a:t>      ....</a:t>
+            </a:r>
+          </a:p>
+          <a:p>
+            <a:r>
+              <a:rPr lang="en-US" altLang="ko-KR" sz="2000">
+                <a:latin typeface="Consolas" pitchFamily="49" charset="0"/>
+                <a:cs typeface="Consolas" pitchFamily="49" charset="0"/>
+              </a:rPr>
+              <a:t>	p();</a:t>
+            </a:r>
+          </a:p>
+          <a:p>
+            <a:r>
+              <a:rPr lang="en-US" altLang="ko-KR" sz="2000">
+                <a:latin typeface="Consolas" pitchFamily="49" charset="0"/>
+                <a:cs typeface="Consolas" pitchFamily="49" charset="0"/>
+              </a:rPr>
+              <a:t>	return 0;</a:t>
+            </a:r>
+          </a:p>
+          <a:p>
+            <a:r>
+              <a:rPr lang="en-US" altLang="ko-KR" sz="2000">
+                <a:latin typeface="Consolas" pitchFamily="49" charset="0"/>
+                <a:cs typeface="Consolas" pitchFamily="49" charset="0"/>
+              </a:rPr>
+              <a:t>}</a:t>
+            </a:r>
+          </a:p>
+        </p:txBody>
+      </p:sp>
+      <p:sp>
+        <p:nvSpPr>
+          <p:cNvPr id="7" name="TextBox 6">
+            <a:extLst>
+              <a:ext uri="{FF2B5EF4-FFF2-40B4-BE49-F238E27FC236}">
+                <a16:creationId xmlns:a16="http://schemas.microsoft.com/office/drawing/2014/main" id="{B6B344CD-7FB0-46B3-99CB-D4603EBB4E90}"/>
+              </a:ext>
+            </a:extLst>
+          </p:cNvPr>
+          <p:cNvSpPr txBox="1"/>
+          <p:nvPr/>
+        </p:nvSpPr>
+        <p:spPr>
+          <a:xfrm>
+            <a:off x="5148064" y="116632"/>
+            <a:ext cx="4416594" cy="1323439"/>
+          </a:xfrm>
+          <a:prstGeom prst="rect">
+            <a:avLst/>
+          </a:prstGeom>
+          <a:noFill/>
+        </p:spPr>
+        <p:txBody>
+          <a:bodyPr wrap="none" rtlCol="0">
+            <a:spAutoFit/>
+          </a:bodyPr>
+          <a:lstStyle/>
+          <a:p>
+            <a:r>
+              <a:rPr lang="en-US" altLang="ko-KR" sz="2000">
+                <a:latin typeface="Consolas" pitchFamily="49" charset="0"/>
+                <a:cs typeface="Consolas" pitchFamily="49" charset="0"/>
+              </a:rPr>
+              <a:t>decay : </a:t>
+            </a:r>
+            <a:r>
+              <a:rPr lang="ko-KR" altLang="en-US" sz="2000">
+                <a:latin typeface="Consolas" pitchFamily="49" charset="0"/>
+                <a:cs typeface="Consolas" pitchFamily="49" charset="0"/>
+              </a:rPr>
+              <a:t>일반적으로 함수의 이름은</a:t>
+            </a:r>
+            <a:endParaRPr lang="en-US" altLang="ko-KR" sz="2000">
+              <a:latin typeface="Consolas" pitchFamily="49" charset="0"/>
+              <a:cs typeface="Consolas" pitchFamily="49" charset="0"/>
+            </a:endParaRPr>
+          </a:p>
+          <a:p>
+            <a:r>
+              <a:rPr lang="ko-KR" altLang="en-US" sz="2000">
+                <a:latin typeface="Consolas" pitchFamily="49" charset="0"/>
+                <a:cs typeface="Consolas" pitchFamily="49" charset="0"/>
+              </a:rPr>
+              <a:t>함수 기계어 코드의 시작 주소로</a:t>
+            </a:r>
+            <a:endParaRPr lang="en-US" altLang="ko-KR" sz="2000">
+              <a:latin typeface="Consolas" pitchFamily="49" charset="0"/>
+              <a:cs typeface="Consolas" pitchFamily="49" charset="0"/>
+            </a:endParaRPr>
+          </a:p>
+          <a:p>
+            <a:r>
+              <a:rPr lang="ko-KR" altLang="en-US" sz="2000">
+                <a:latin typeface="Consolas" pitchFamily="49" charset="0"/>
+                <a:cs typeface="Consolas" pitchFamily="49" charset="0"/>
+              </a:rPr>
+              <a:t>해석 된다</a:t>
+            </a:r>
+            <a:r>
+              <a:rPr lang="en-US" altLang="ko-KR" sz="2000">
+                <a:latin typeface="Consolas" pitchFamily="49" charset="0"/>
+                <a:cs typeface="Consolas" pitchFamily="49" charset="0"/>
+              </a:rPr>
+              <a:t>. </a:t>
+            </a:r>
+          </a:p>
+          <a:p>
+            <a:r>
+              <a:rPr lang="ko-KR" altLang="en-US" sz="2000">
+                <a:latin typeface="Consolas" pitchFamily="49" charset="0"/>
+                <a:cs typeface="Consolas" pitchFamily="49" charset="0"/>
+              </a:rPr>
+              <a:t>예외</a:t>
+            </a:r>
+            <a:r>
+              <a:rPr lang="en-US" altLang="ko-KR" sz="2000">
+                <a:latin typeface="Consolas" pitchFamily="49" charset="0"/>
+                <a:cs typeface="Consolas" pitchFamily="49" charset="0"/>
+              </a:rPr>
+              <a:t>) &amp;</a:t>
+            </a:r>
+          </a:p>
+        </p:txBody>
+      </p:sp>
+    </p:spTree>
+    <p:extLst>
+      <p:ext uri="{BB962C8B-B14F-4D97-AF65-F5344CB8AC3E}">
+        <p14:creationId xmlns:p14="http://schemas.microsoft.com/office/powerpoint/2010/main" val="3545713366"/>
+      </p:ext>
+    </p:extLst>
+  </p:cSld>
+  <p:clrMapOvr>
+    <a:masterClrMapping/>
+  </p:clrMapOvr>
+</p:sld>
+</file>
+
+<file path=ppt/slides/slide39.xml><?xml version="1.0" encoding="utf-8"?>
+<p:sld xmlns:a="http://schemas.openxmlformats.org/drawingml/2006/main" xmlns:r="http://schemas.openxmlformats.org/officeDocument/2006/relationships" xmlns:p="http://schemas.openxmlformats.org/presentationml/2006/main">
+  <p:cSld>
+    <p:spTree>
+      <p:nvGrpSpPr>
+        <p:cNvPr id="1" name=""/>
+        <p:cNvGrpSpPr/>
+        <p:nvPr/>
+      </p:nvGrpSpPr>
+      <p:grpSpPr>
+        <a:xfrm>
+          <a:off x="0" y="0"/>
+          <a:ext cx="0" cy="0"/>
+          <a:chOff x="0" y="0"/>
+          <a:chExt cx="0" cy="0"/>
+        </a:xfrm>
+      </p:grpSpPr>
+      <p:sp>
+        <p:nvSpPr>
+          <p:cNvPr id="6" name="TextBox 5">
+            <a:extLst>
+              <a:ext uri="{FF2B5EF4-FFF2-40B4-BE49-F238E27FC236}">
+                <a16:creationId xmlns:a16="http://schemas.microsoft.com/office/drawing/2014/main" id="{AA438800-BA19-4F33-89F2-A47F9DC3E315}"/>
+              </a:ext>
+            </a:extLst>
+          </p:cNvPr>
+          <p:cNvSpPr txBox="1"/>
+          <p:nvPr/>
+        </p:nvSpPr>
+        <p:spPr>
+          <a:xfrm>
+            <a:off x="107504" y="116632"/>
+            <a:ext cx="4493538" cy="4401205"/>
+          </a:xfrm>
+          <a:prstGeom prst="rect">
+            <a:avLst/>
+          </a:prstGeom>
+          <a:noFill/>
+        </p:spPr>
+        <p:txBody>
+          <a:bodyPr wrap="none" rtlCol="0">
+            <a:spAutoFit/>
+          </a:bodyPr>
+          <a:lstStyle/>
+          <a:p>
+            <a:r>
+              <a:rPr lang="en-US" altLang="ko-KR" sz="2000">
+                <a:latin typeface="Consolas" pitchFamily="49" charset="0"/>
+                <a:cs typeface="Consolas" pitchFamily="49" charset="0"/>
+              </a:rPr>
+              <a:t>void foo(void) </a:t>
+            </a:r>
+          </a:p>
+          <a:p>
+            <a:r>
+              <a:rPr lang="en-US" altLang="ko-KR" sz="2000">
+                <a:latin typeface="Consolas" pitchFamily="49" charset="0"/>
+                <a:cs typeface="Consolas" pitchFamily="49" charset="0"/>
+              </a:rPr>
+              <a:t>{</a:t>
+            </a:r>
+          </a:p>
+          <a:p>
+            <a:r>
+              <a:rPr lang="en-US" altLang="ko-KR" sz="2000">
+                <a:latin typeface="Consolas" pitchFamily="49" charset="0"/>
+                <a:cs typeface="Consolas" pitchFamily="49" charset="0"/>
+              </a:rPr>
+              <a:t>	printf("foo(void)\n");</a:t>
+            </a:r>
+          </a:p>
+          <a:p>
+            <a:r>
+              <a:rPr lang="en-US" altLang="ko-KR" sz="2000">
+                <a:latin typeface="Consolas" pitchFamily="49" charset="0"/>
+                <a:cs typeface="Consolas" pitchFamily="49" charset="0"/>
+              </a:rPr>
+              <a:t>}</a:t>
+            </a:r>
+          </a:p>
+          <a:p>
+            <a:endParaRPr lang="en-US" altLang="ko-KR" sz="2000">
+              <a:latin typeface="Consolas" pitchFamily="49" charset="0"/>
+              <a:cs typeface="Consolas" pitchFamily="49" charset="0"/>
+            </a:endParaRPr>
+          </a:p>
+          <a:p>
+            <a:r>
+              <a:rPr lang="en-US" altLang="ko-KR" sz="2000">
+                <a:latin typeface="Consolas" pitchFamily="49" charset="0"/>
+                <a:cs typeface="Consolas" pitchFamily="49" charset="0"/>
+              </a:rPr>
+              <a:t>int main()</a:t>
+            </a:r>
+          </a:p>
+          <a:p>
+            <a:r>
+              <a:rPr lang="en-US" altLang="ko-KR" sz="2000">
+                <a:latin typeface="Consolas" pitchFamily="49" charset="0"/>
+                <a:cs typeface="Consolas" pitchFamily="49" charset="0"/>
+              </a:rPr>
+              <a:t>{</a:t>
+            </a:r>
+          </a:p>
+          <a:p>
+            <a:r>
+              <a:rPr lang="en-US" altLang="ko-KR" sz="2000">
+                <a:latin typeface="Consolas" pitchFamily="49" charset="0"/>
+                <a:cs typeface="Consolas" pitchFamily="49" charset="0"/>
+              </a:rPr>
+              <a:t>	void (*p)(void)  = &amp;foo;</a:t>
+            </a:r>
+          </a:p>
+          <a:p>
+            <a:r>
+              <a:rPr lang="en-US" altLang="ko-KR" sz="2000">
+                <a:latin typeface="Consolas" pitchFamily="49" charset="0"/>
+                <a:cs typeface="Consolas" pitchFamily="49" charset="0"/>
+              </a:rPr>
+              <a:t>      ...</a:t>
+            </a:r>
+          </a:p>
+          <a:p>
+            <a:r>
+              <a:rPr lang="en-US" altLang="ko-KR" sz="2000">
+                <a:latin typeface="Consolas" pitchFamily="49" charset="0"/>
+                <a:cs typeface="Consolas" pitchFamily="49" charset="0"/>
+              </a:rPr>
+              <a:t>	(*p)();</a:t>
+            </a:r>
+          </a:p>
+          <a:p>
+            <a:r>
+              <a:rPr lang="en-US" altLang="ko-KR" sz="2000">
+                <a:latin typeface="Consolas" pitchFamily="49" charset="0"/>
+                <a:cs typeface="Consolas" pitchFamily="49" charset="0"/>
+              </a:rPr>
+              <a:t>	return 0;</a:t>
+            </a:r>
+          </a:p>
+          <a:p>
+            <a:r>
+              <a:rPr lang="en-US" altLang="ko-KR" sz="2000">
+                <a:latin typeface="Consolas" pitchFamily="49" charset="0"/>
+                <a:cs typeface="Consolas" pitchFamily="49" charset="0"/>
+              </a:rPr>
+              <a:t>}</a:t>
+            </a:r>
+          </a:p>
+          <a:p>
+            <a:endParaRPr lang="en-US" altLang="ko-KR" sz="2000">
+              <a:latin typeface="Consolas" pitchFamily="49" charset="0"/>
+              <a:cs typeface="Consolas" pitchFamily="49" charset="0"/>
+            </a:endParaRPr>
+          </a:p>
+          <a:p>
+            <a:endParaRPr lang="en-US" altLang="ko-KR" sz="2000">
+              <a:latin typeface="Consolas" pitchFamily="49" charset="0"/>
+              <a:cs typeface="Consolas" pitchFamily="49" charset="0"/>
+            </a:endParaRPr>
+          </a:p>
+        </p:txBody>
+      </p:sp>
+      <p:sp>
+        <p:nvSpPr>
+          <p:cNvPr id="7" name="TextBox 6">
+            <a:extLst>
+              <a:ext uri="{FF2B5EF4-FFF2-40B4-BE49-F238E27FC236}">
+                <a16:creationId xmlns:a16="http://schemas.microsoft.com/office/drawing/2014/main" id="{B6B344CD-7FB0-46B3-99CB-D4603EBB4E90}"/>
+              </a:ext>
+            </a:extLst>
+          </p:cNvPr>
+          <p:cNvSpPr txBox="1"/>
+          <p:nvPr/>
+        </p:nvSpPr>
+        <p:spPr>
+          <a:xfrm>
+            <a:off x="5148064" y="116632"/>
+            <a:ext cx="4416594" cy="1323439"/>
+          </a:xfrm>
+          <a:prstGeom prst="rect">
+            <a:avLst/>
+          </a:prstGeom>
+          <a:noFill/>
+        </p:spPr>
+        <p:txBody>
+          <a:bodyPr wrap="none" rtlCol="0">
+            <a:spAutoFit/>
+          </a:bodyPr>
+          <a:lstStyle/>
+          <a:p>
+            <a:r>
+              <a:rPr lang="en-US" altLang="ko-KR" sz="2000">
+                <a:latin typeface="Consolas" pitchFamily="49" charset="0"/>
+                <a:cs typeface="Consolas" pitchFamily="49" charset="0"/>
+              </a:rPr>
+              <a:t>decay : </a:t>
+            </a:r>
+            <a:r>
+              <a:rPr lang="ko-KR" altLang="en-US" sz="2000">
+                <a:latin typeface="Consolas" pitchFamily="49" charset="0"/>
+                <a:cs typeface="Consolas" pitchFamily="49" charset="0"/>
+              </a:rPr>
+              <a:t>일반적으로 함수의 이름은</a:t>
+            </a:r>
+            <a:endParaRPr lang="en-US" altLang="ko-KR" sz="2000">
+              <a:latin typeface="Consolas" pitchFamily="49" charset="0"/>
+              <a:cs typeface="Consolas" pitchFamily="49" charset="0"/>
+            </a:endParaRPr>
+          </a:p>
+          <a:p>
+            <a:r>
+              <a:rPr lang="ko-KR" altLang="en-US" sz="2000">
+                <a:latin typeface="Consolas" pitchFamily="49" charset="0"/>
+                <a:cs typeface="Consolas" pitchFamily="49" charset="0"/>
+              </a:rPr>
+              <a:t>함수 기계어 코드의 시작 주소로</a:t>
+            </a:r>
+            <a:endParaRPr lang="en-US" altLang="ko-KR" sz="2000">
+              <a:latin typeface="Consolas" pitchFamily="49" charset="0"/>
+              <a:cs typeface="Consolas" pitchFamily="49" charset="0"/>
+            </a:endParaRPr>
+          </a:p>
+          <a:p>
+            <a:r>
+              <a:rPr lang="ko-KR" altLang="en-US" sz="2000">
+                <a:latin typeface="Consolas" pitchFamily="49" charset="0"/>
+                <a:cs typeface="Consolas" pitchFamily="49" charset="0"/>
+              </a:rPr>
+              <a:t>해석 된다</a:t>
+            </a:r>
+            <a:r>
+              <a:rPr lang="en-US" altLang="ko-KR" sz="2000">
+                <a:latin typeface="Consolas" pitchFamily="49" charset="0"/>
+                <a:cs typeface="Consolas" pitchFamily="49" charset="0"/>
+              </a:rPr>
+              <a:t>. </a:t>
+            </a:r>
+          </a:p>
+          <a:p>
+            <a:r>
+              <a:rPr lang="ko-KR" altLang="en-US" sz="2000">
+                <a:latin typeface="Consolas" pitchFamily="49" charset="0"/>
+                <a:cs typeface="Consolas" pitchFamily="49" charset="0"/>
+              </a:rPr>
+              <a:t>예외</a:t>
+            </a:r>
+            <a:r>
+              <a:rPr lang="en-US" altLang="ko-KR" sz="2000">
+                <a:latin typeface="Consolas" pitchFamily="49" charset="0"/>
+                <a:cs typeface="Consolas" pitchFamily="49" charset="0"/>
+              </a:rPr>
+              <a:t>) &amp;</a:t>
+            </a:r>
+          </a:p>
+        </p:txBody>
+      </p:sp>
+    </p:spTree>
+    <p:extLst>
+      <p:ext uri="{BB962C8B-B14F-4D97-AF65-F5344CB8AC3E}">
+        <p14:creationId xmlns:p14="http://schemas.microsoft.com/office/powerpoint/2010/main" val="3784740449"/>
+      </p:ext>
+    </p:extLst>
+  </p:cSld>
+  <p:clrMapOvr>
+    <a:masterClrMapping/>
+  </p:clrMapOvr>
+</p:sld>
+</file>
+
 <file path=ppt/slides/slide4.xml><?xml version="1.0" encoding="utf-8"?>
 <p:sld xmlns:a="http://schemas.openxmlformats.org/drawingml/2006/main" xmlns:r="http://schemas.openxmlformats.org/officeDocument/2006/relationships" xmlns:p="http://schemas.openxmlformats.org/presentationml/2006/main">
   <p:cSld>
@@ -46083,6 +46877,1421 @@
     <p:extLst>
       <p:ext uri="{BB962C8B-B14F-4D97-AF65-F5344CB8AC3E}">
         <p14:creationId xmlns:p14="http://schemas.microsoft.com/office/powerpoint/2010/main" val="3411790575"/>
+      </p:ext>
+    </p:extLst>
+  </p:cSld>
+  <p:clrMapOvr>
+    <a:masterClrMapping/>
+  </p:clrMapOvr>
+</p:sld>
+</file>
+
+<file path=ppt/slides/slide40.xml><?xml version="1.0" encoding="utf-8"?>
+<p:sld xmlns:a="http://schemas.openxmlformats.org/drawingml/2006/main" xmlns:r="http://schemas.openxmlformats.org/officeDocument/2006/relationships" xmlns:p="http://schemas.openxmlformats.org/presentationml/2006/main">
+  <p:cSld>
+    <p:spTree>
+      <p:nvGrpSpPr>
+        <p:cNvPr id="1" name=""/>
+        <p:cNvGrpSpPr/>
+        <p:nvPr/>
+      </p:nvGrpSpPr>
+      <p:grpSpPr>
+        <a:xfrm>
+          <a:off x="0" y="0"/>
+          <a:ext cx="0" cy="0"/>
+          <a:chOff x="0" y="0"/>
+          <a:chExt cx="0" cy="0"/>
+        </a:xfrm>
+      </p:grpSpPr>
+      <p:sp>
+        <p:nvSpPr>
+          <p:cNvPr id="6" name="TextBox 5">
+            <a:extLst>
+              <a:ext uri="{FF2B5EF4-FFF2-40B4-BE49-F238E27FC236}">
+                <a16:creationId xmlns:a16="http://schemas.microsoft.com/office/drawing/2014/main" id="{AA438800-BA19-4F33-89F2-A47F9DC3E315}"/>
+              </a:ext>
+            </a:extLst>
+          </p:cNvPr>
+          <p:cNvSpPr txBox="1"/>
+          <p:nvPr/>
+        </p:nvSpPr>
+        <p:spPr>
+          <a:xfrm>
+            <a:off x="107504" y="116632"/>
+            <a:ext cx="5121915" cy="6247864"/>
+          </a:xfrm>
+          <a:prstGeom prst="rect">
+            <a:avLst/>
+          </a:prstGeom>
+          <a:noFill/>
+        </p:spPr>
+        <p:txBody>
+          <a:bodyPr wrap="none" rtlCol="0">
+            <a:spAutoFit/>
+          </a:bodyPr>
+          <a:lstStyle/>
+          <a:p>
+            <a:r>
+              <a:rPr lang="en-US" altLang="ko-KR" sz="2000">
+                <a:latin typeface="Consolas" pitchFamily="49" charset="0"/>
+                <a:cs typeface="Consolas" pitchFamily="49" charset="0"/>
+              </a:rPr>
+              <a:t>void aaa(void (*p)(void)) </a:t>
+            </a:r>
+          </a:p>
+          <a:p>
+            <a:r>
+              <a:rPr lang="en-US" altLang="ko-KR" sz="2000">
+                <a:latin typeface="Consolas" pitchFamily="49" charset="0"/>
+                <a:cs typeface="Consolas" pitchFamily="49" charset="0"/>
+              </a:rPr>
+              <a:t>{</a:t>
+            </a:r>
+          </a:p>
+          <a:p>
+            <a:r>
+              <a:rPr lang="en-US" altLang="ko-KR" sz="2000">
+                <a:latin typeface="Consolas" pitchFamily="49" charset="0"/>
+                <a:cs typeface="Consolas" pitchFamily="49" charset="0"/>
+              </a:rPr>
+              <a:t>      p(); // bbb();</a:t>
+            </a:r>
+          </a:p>
+          <a:p>
+            <a:r>
+              <a:rPr lang="en-US" altLang="ko-KR" sz="2000">
+                <a:latin typeface="Consolas" pitchFamily="49" charset="0"/>
+                <a:cs typeface="Consolas" pitchFamily="49" charset="0"/>
+              </a:rPr>
+              <a:t>	printf("aaa(void)\n");</a:t>
+            </a:r>
+          </a:p>
+          <a:p>
+            <a:r>
+              <a:rPr lang="en-US" altLang="ko-KR" sz="2000">
+                <a:latin typeface="Consolas" pitchFamily="49" charset="0"/>
+                <a:cs typeface="Consolas" pitchFamily="49" charset="0"/>
+              </a:rPr>
+              <a:t>}</a:t>
+            </a:r>
+          </a:p>
+          <a:p>
+            <a:endParaRPr lang="en-US" altLang="ko-KR" sz="2000">
+              <a:latin typeface="Consolas" pitchFamily="49" charset="0"/>
+              <a:cs typeface="Consolas" pitchFamily="49" charset="0"/>
+            </a:endParaRPr>
+          </a:p>
+          <a:p>
+            <a:r>
+              <a:rPr lang="en-US" altLang="ko-KR" sz="2000">
+                <a:latin typeface="Consolas" pitchFamily="49" charset="0"/>
+                <a:cs typeface="Consolas" pitchFamily="49" charset="0"/>
+              </a:rPr>
+              <a:t>//---------------------------------</a:t>
+            </a:r>
+          </a:p>
+          <a:p>
+            <a:endParaRPr lang="en-US" altLang="ko-KR" sz="2000">
+              <a:latin typeface="Consolas" pitchFamily="49" charset="0"/>
+              <a:cs typeface="Consolas" pitchFamily="49" charset="0"/>
+            </a:endParaRPr>
+          </a:p>
+          <a:p>
+            <a:r>
+              <a:rPr lang="en-US" altLang="ko-KR" sz="2000">
+                <a:latin typeface="Consolas" pitchFamily="49" charset="0"/>
+                <a:cs typeface="Consolas" pitchFamily="49" charset="0"/>
+              </a:rPr>
+              <a:t>void bbb(void)</a:t>
+            </a:r>
+          </a:p>
+          <a:p>
+            <a:r>
+              <a:rPr lang="en-US" altLang="ko-KR" sz="2000">
+                <a:latin typeface="Consolas" pitchFamily="49" charset="0"/>
+                <a:cs typeface="Consolas" pitchFamily="49" charset="0"/>
+              </a:rPr>
+              <a:t>{</a:t>
+            </a:r>
+          </a:p>
+          <a:p>
+            <a:r>
+              <a:rPr lang="en-US" altLang="ko-KR" sz="2000">
+                <a:latin typeface="Consolas" pitchFamily="49" charset="0"/>
+                <a:cs typeface="Consolas" pitchFamily="49" charset="0"/>
+              </a:rPr>
+              <a:t>     printf("bbb(void)\n");</a:t>
+            </a:r>
+          </a:p>
+          <a:p>
+            <a:r>
+              <a:rPr lang="en-US" altLang="ko-KR" sz="2000">
+                <a:latin typeface="Consolas" pitchFamily="49" charset="0"/>
+                <a:cs typeface="Consolas" pitchFamily="49" charset="0"/>
+              </a:rPr>
+              <a:t>}</a:t>
+            </a:r>
+          </a:p>
+          <a:p>
+            <a:endParaRPr lang="en-US" altLang="ko-KR" sz="2000">
+              <a:latin typeface="Consolas" pitchFamily="49" charset="0"/>
+              <a:cs typeface="Consolas" pitchFamily="49" charset="0"/>
+            </a:endParaRPr>
+          </a:p>
+          <a:p>
+            <a:r>
+              <a:rPr lang="en-US" altLang="ko-KR" sz="2000">
+                <a:latin typeface="Consolas" pitchFamily="49" charset="0"/>
+                <a:cs typeface="Consolas" pitchFamily="49" charset="0"/>
+              </a:rPr>
+              <a:t>int main()</a:t>
+            </a:r>
+          </a:p>
+          <a:p>
+            <a:r>
+              <a:rPr lang="en-US" altLang="ko-KR" sz="2000">
+                <a:latin typeface="Consolas" pitchFamily="49" charset="0"/>
+                <a:cs typeface="Consolas" pitchFamily="49" charset="0"/>
+              </a:rPr>
+              <a:t>{</a:t>
+            </a:r>
+          </a:p>
+          <a:p>
+            <a:r>
+              <a:rPr lang="en-US" altLang="ko-KR" sz="2000">
+                <a:latin typeface="Consolas" pitchFamily="49" charset="0"/>
+                <a:cs typeface="Consolas" pitchFamily="49" charset="0"/>
+              </a:rPr>
+              <a:t>	aaa(bbb);</a:t>
+            </a:r>
+          </a:p>
+          <a:p>
+            <a:r>
+              <a:rPr lang="en-US" altLang="ko-KR" sz="2000">
+                <a:latin typeface="Consolas" pitchFamily="49" charset="0"/>
+                <a:cs typeface="Consolas" pitchFamily="49" charset="0"/>
+              </a:rPr>
+              <a:t>	return 0;</a:t>
+            </a:r>
+          </a:p>
+          <a:p>
+            <a:r>
+              <a:rPr lang="en-US" altLang="ko-KR" sz="2000">
+                <a:latin typeface="Consolas" pitchFamily="49" charset="0"/>
+                <a:cs typeface="Consolas" pitchFamily="49" charset="0"/>
+              </a:rPr>
+              <a:t>}</a:t>
+            </a:r>
+          </a:p>
+          <a:p>
+            <a:endParaRPr lang="en-US" altLang="ko-KR" sz="2000">
+              <a:latin typeface="Consolas" pitchFamily="49" charset="0"/>
+              <a:cs typeface="Consolas" pitchFamily="49" charset="0"/>
+            </a:endParaRPr>
+          </a:p>
+          <a:p>
+            <a:endParaRPr lang="en-US" altLang="ko-KR" sz="2000">
+              <a:latin typeface="Consolas" pitchFamily="49" charset="0"/>
+              <a:cs typeface="Consolas" pitchFamily="49" charset="0"/>
+            </a:endParaRPr>
+          </a:p>
+        </p:txBody>
+      </p:sp>
+      <p:sp>
+        <p:nvSpPr>
+          <p:cNvPr id="7" name="TextBox 6">
+            <a:extLst>
+              <a:ext uri="{FF2B5EF4-FFF2-40B4-BE49-F238E27FC236}">
+                <a16:creationId xmlns:a16="http://schemas.microsoft.com/office/drawing/2014/main" id="{B6B344CD-7FB0-46B3-99CB-D4603EBB4E90}"/>
+              </a:ext>
+            </a:extLst>
+          </p:cNvPr>
+          <p:cNvSpPr txBox="1"/>
+          <p:nvPr/>
+        </p:nvSpPr>
+        <p:spPr>
+          <a:xfrm>
+            <a:off x="5148064" y="116632"/>
+            <a:ext cx="4416594" cy="1323439"/>
+          </a:xfrm>
+          <a:prstGeom prst="rect">
+            <a:avLst/>
+          </a:prstGeom>
+          <a:noFill/>
+        </p:spPr>
+        <p:txBody>
+          <a:bodyPr wrap="none" rtlCol="0">
+            <a:spAutoFit/>
+          </a:bodyPr>
+          <a:lstStyle/>
+          <a:p>
+            <a:r>
+              <a:rPr lang="en-US" altLang="ko-KR" sz="2000">
+                <a:latin typeface="Consolas" pitchFamily="49" charset="0"/>
+                <a:cs typeface="Consolas" pitchFamily="49" charset="0"/>
+              </a:rPr>
+              <a:t>decay : </a:t>
+            </a:r>
+            <a:r>
+              <a:rPr lang="ko-KR" altLang="en-US" sz="2000">
+                <a:latin typeface="Consolas" pitchFamily="49" charset="0"/>
+                <a:cs typeface="Consolas" pitchFamily="49" charset="0"/>
+              </a:rPr>
+              <a:t>일반적으로 함수의 이름은</a:t>
+            </a:r>
+            <a:endParaRPr lang="en-US" altLang="ko-KR" sz="2000">
+              <a:latin typeface="Consolas" pitchFamily="49" charset="0"/>
+              <a:cs typeface="Consolas" pitchFamily="49" charset="0"/>
+            </a:endParaRPr>
+          </a:p>
+          <a:p>
+            <a:r>
+              <a:rPr lang="ko-KR" altLang="en-US" sz="2000">
+                <a:latin typeface="Consolas" pitchFamily="49" charset="0"/>
+                <a:cs typeface="Consolas" pitchFamily="49" charset="0"/>
+              </a:rPr>
+              <a:t>함수 기계어 코드의 시작 주소로</a:t>
+            </a:r>
+            <a:endParaRPr lang="en-US" altLang="ko-KR" sz="2000">
+              <a:latin typeface="Consolas" pitchFamily="49" charset="0"/>
+              <a:cs typeface="Consolas" pitchFamily="49" charset="0"/>
+            </a:endParaRPr>
+          </a:p>
+          <a:p>
+            <a:r>
+              <a:rPr lang="ko-KR" altLang="en-US" sz="2000">
+                <a:latin typeface="Consolas" pitchFamily="49" charset="0"/>
+                <a:cs typeface="Consolas" pitchFamily="49" charset="0"/>
+              </a:rPr>
+              <a:t>해석 된다</a:t>
+            </a:r>
+            <a:r>
+              <a:rPr lang="en-US" altLang="ko-KR" sz="2000">
+                <a:latin typeface="Consolas" pitchFamily="49" charset="0"/>
+                <a:cs typeface="Consolas" pitchFamily="49" charset="0"/>
+              </a:rPr>
+              <a:t>. </a:t>
+            </a:r>
+          </a:p>
+          <a:p>
+            <a:r>
+              <a:rPr lang="ko-KR" altLang="en-US" sz="2000">
+                <a:latin typeface="Consolas" pitchFamily="49" charset="0"/>
+                <a:cs typeface="Consolas" pitchFamily="49" charset="0"/>
+              </a:rPr>
+              <a:t>예외</a:t>
+            </a:r>
+            <a:r>
+              <a:rPr lang="en-US" altLang="ko-KR" sz="2000">
+                <a:latin typeface="Consolas" pitchFamily="49" charset="0"/>
+                <a:cs typeface="Consolas" pitchFamily="49" charset="0"/>
+              </a:rPr>
+              <a:t>) &amp;</a:t>
+            </a:r>
+          </a:p>
+        </p:txBody>
+      </p:sp>
+    </p:spTree>
+    <p:extLst>
+      <p:ext uri="{BB962C8B-B14F-4D97-AF65-F5344CB8AC3E}">
+        <p14:creationId xmlns:p14="http://schemas.microsoft.com/office/powerpoint/2010/main" val="1329179482"/>
+      </p:ext>
+    </p:extLst>
+  </p:cSld>
+  <p:clrMapOvr>
+    <a:masterClrMapping/>
+  </p:clrMapOvr>
+</p:sld>
+</file>
+
+<file path=ppt/slides/slide41.xml><?xml version="1.0" encoding="utf-8"?>
+<p:sld xmlns:a="http://schemas.openxmlformats.org/drawingml/2006/main" xmlns:r="http://schemas.openxmlformats.org/officeDocument/2006/relationships" xmlns:p="http://schemas.openxmlformats.org/presentationml/2006/main">
+  <p:cSld>
+    <p:spTree>
+      <p:nvGrpSpPr>
+        <p:cNvPr id="1" name=""/>
+        <p:cNvGrpSpPr/>
+        <p:nvPr/>
+      </p:nvGrpSpPr>
+      <p:grpSpPr>
+        <a:xfrm>
+          <a:off x="0" y="0"/>
+          <a:ext cx="0" cy="0"/>
+          <a:chOff x="0" y="0"/>
+          <a:chExt cx="0" cy="0"/>
+        </a:xfrm>
+      </p:grpSpPr>
+      <p:sp>
+        <p:nvSpPr>
+          <p:cNvPr id="6" name="TextBox 5">
+            <a:extLst>
+              <a:ext uri="{FF2B5EF4-FFF2-40B4-BE49-F238E27FC236}">
+                <a16:creationId xmlns:a16="http://schemas.microsoft.com/office/drawing/2014/main" id="{AA438800-BA19-4F33-89F2-A47F9DC3E315}"/>
+              </a:ext>
+            </a:extLst>
+          </p:cNvPr>
+          <p:cNvSpPr txBox="1"/>
+          <p:nvPr/>
+        </p:nvSpPr>
+        <p:spPr>
+          <a:xfrm>
+            <a:off x="107504" y="116632"/>
+            <a:ext cx="5121915" cy="6555641"/>
+          </a:xfrm>
+          <a:prstGeom prst="rect">
+            <a:avLst/>
+          </a:prstGeom>
+          <a:noFill/>
+        </p:spPr>
+        <p:txBody>
+          <a:bodyPr wrap="none" rtlCol="0">
+            <a:spAutoFit/>
+          </a:bodyPr>
+          <a:lstStyle/>
+          <a:p>
+            <a:r>
+              <a:rPr lang="en-US" altLang="ko-KR" sz="2000">
+                <a:latin typeface="Consolas" pitchFamily="49" charset="0"/>
+                <a:cs typeface="Consolas" pitchFamily="49" charset="0"/>
+              </a:rPr>
+              <a:t>void aaa(void) </a:t>
+            </a:r>
+          </a:p>
+          <a:p>
+            <a:r>
+              <a:rPr lang="en-US" altLang="ko-KR" sz="2000">
+                <a:latin typeface="Consolas" pitchFamily="49" charset="0"/>
+                <a:cs typeface="Consolas" pitchFamily="49" charset="0"/>
+              </a:rPr>
+              <a:t>{</a:t>
+            </a:r>
+          </a:p>
+          <a:p>
+            <a:r>
+              <a:rPr lang="en-US" altLang="ko-KR" sz="2000">
+                <a:latin typeface="Consolas" pitchFamily="49" charset="0"/>
+                <a:cs typeface="Consolas" pitchFamily="49" charset="0"/>
+              </a:rPr>
+              <a:t>	printf("aaa(void)\n");</a:t>
+            </a:r>
+          </a:p>
+          <a:p>
+            <a:r>
+              <a:rPr lang="en-US" altLang="ko-KR" sz="2000">
+                <a:latin typeface="Consolas" pitchFamily="49" charset="0"/>
+                <a:cs typeface="Consolas" pitchFamily="49" charset="0"/>
+              </a:rPr>
+              <a:t>}</a:t>
+            </a:r>
+          </a:p>
+          <a:p>
+            <a:endParaRPr lang="en-US" altLang="ko-KR" sz="2000">
+              <a:latin typeface="Consolas" pitchFamily="49" charset="0"/>
+              <a:cs typeface="Consolas" pitchFamily="49" charset="0"/>
+            </a:endParaRPr>
+          </a:p>
+          <a:p>
+            <a:r>
+              <a:rPr lang="en-US" altLang="ko-KR" sz="2000">
+                <a:latin typeface="Consolas" pitchFamily="49" charset="0"/>
+                <a:cs typeface="Consolas" pitchFamily="49" charset="0"/>
+              </a:rPr>
+              <a:t>void (*bbb(void))(void) </a:t>
+            </a:r>
+          </a:p>
+          <a:p>
+            <a:r>
+              <a:rPr lang="en-US" altLang="ko-KR" sz="2000">
+                <a:latin typeface="Consolas" pitchFamily="49" charset="0"/>
+                <a:cs typeface="Consolas" pitchFamily="49" charset="0"/>
+              </a:rPr>
+              <a:t>{</a:t>
+            </a:r>
+          </a:p>
+          <a:p>
+            <a:r>
+              <a:rPr lang="en-US" altLang="ko-KR" sz="2000">
+                <a:latin typeface="Consolas" pitchFamily="49" charset="0"/>
+                <a:cs typeface="Consolas" pitchFamily="49" charset="0"/>
+              </a:rPr>
+              <a:t>     printf("bbb(void)\n");</a:t>
+            </a:r>
+          </a:p>
+          <a:p>
+            <a:r>
+              <a:rPr lang="en-US" altLang="ko-KR" sz="2000">
+                <a:latin typeface="Consolas" pitchFamily="49" charset="0"/>
+                <a:cs typeface="Consolas" pitchFamily="49" charset="0"/>
+              </a:rPr>
+              <a:t>     return aaa;</a:t>
+            </a:r>
+          </a:p>
+          <a:p>
+            <a:r>
+              <a:rPr lang="en-US" altLang="ko-KR" sz="2000">
+                <a:latin typeface="Consolas" pitchFamily="49" charset="0"/>
+                <a:cs typeface="Consolas" pitchFamily="49" charset="0"/>
+              </a:rPr>
+              <a:t>}</a:t>
+            </a:r>
+          </a:p>
+          <a:p>
+            <a:endParaRPr lang="en-US" altLang="ko-KR" sz="2000">
+              <a:latin typeface="Consolas" pitchFamily="49" charset="0"/>
+              <a:cs typeface="Consolas" pitchFamily="49" charset="0"/>
+            </a:endParaRPr>
+          </a:p>
+          <a:p>
+            <a:r>
+              <a:rPr lang="en-US" altLang="ko-KR" sz="2000">
+                <a:latin typeface="Consolas" pitchFamily="49" charset="0"/>
+                <a:cs typeface="Consolas" pitchFamily="49" charset="0"/>
+              </a:rPr>
+              <a:t>//---------------------------------</a:t>
+            </a:r>
+          </a:p>
+          <a:p>
+            <a:endParaRPr lang="en-US" altLang="ko-KR" sz="2000">
+              <a:latin typeface="Consolas" pitchFamily="49" charset="0"/>
+              <a:cs typeface="Consolas" pitchFamily="49" charset="0"/>
+            </a:endParaRPr>
+          </a:p>
+          <a:p>
+            <a:endParaRPr lang="en-US" altLang="ko-KR" sz="2000">
+              <a:latin typeface="Consolas" pitchFamily="49" charset="0"/>
+              <a:cs typeface="Consolas" pitchFamily="49" charset="0"/>
+            </a:endParaRPr>
+          </a:p>
+          <a:p>
+            <a:r>
+              <a:rPr lang="en-US" altLang="ko-KR" sz="2000">
+                <a:latin typeface="Consolas" pitchFamily="49" charset="0"/>
+                <a:cs typeface="Consolas" pitchFamily="49" charset="0"/>
+              </a:rPr>
+              <a:t>int main()</a:t>
+            </a:r>
+          </a:p>
+          <a:p>
+            <a:r>
+              <a:rPr lang="en-US" altLang="ko-KR" sz="2000">
+                <a:latin typeface="Consolas" pitchFamily="49" charset="0"/>
+                <a:cs typeface="Consolas" pitchFamily="49" charset="0"/>
+              </a:rPr>
+              <a:t>{</a:t>
+            </a:r>
+          </a:p>
+          <a:p>
+            <a:r>
+              <a:rPr lang="en-US" altLang="ko-KR" sz="2000">
+                <a:latin typeface="Consolas" pitchFamily="49" charset="0"/>
+                <a:cs typeface="Consolas" pitchFamily="49" charset="0"/>
+              </a:rPr>
+              <a:t>	bbb()();</a:t>
+            </a:r>
+          </a:p>
+          <a:p>
+            <a:r>
+              <a:rPr lang="en-US" altLang="ko-KR" sz="2000">
+                <a:latin typeface="Consolas" pitchFamily="49" charset="0"/>
+                <a:cs typeface="Consolas" pitchFamily="49" charset="0"/>
+              </a:rPr>
+              <a:t>	return 0;</a:t>
+            </a:r>
+          </a:p>
+          <a:p>
+            <a:r>
+              <a:rPr lang="en-US" altLang="ko-KR" sz="2000">
+                <a:latin typeface="Consolas" pitchFamily="49" charset="0"/>
+                <a:cs typeface="Consolas" pitchFamily="49" charset="0"/>
+              </a:rPr>
+              <a:t>}</a:t>
+            </a:r>
+          </a:p>
+          <a:p>
+            <a:endParaRPr lang="en-US" altLang="ko-KR" sz="2000">
+              <a:latin typeface="Consolas" pitchFamily="49" charset="0"/>
+              <a:cs typeface="Consolas" pitchFamily="49" charset="0"/>
+            </a:endParaRPr>
+          </a:p>
+          <a:p>
+            <a:endParaRPr lang="en-US" altLang="ko-KR" sz="2000">
+              <a:latin typeface="Consolas" pitchFamily="49" charset="0"/>
+              <a:cs typeface="Consolas" pitchFamily="49" charset="0"/>
+            </a:endParaRPr>
+          </a:p>
+        </p:txBody>
+      </p:sp>
+      <p:sp>
+        <p:nvSpPr>
+          <p:cNvPr id="7" name="TextBox 6">
+            <a:extLst>
+              <a:ext uri="{FF2B5EF4-FFF2-40B4-BE49-F238E27FC236}">
+                <a16:creationId xmlns:a16="http://schemas.microsoft.com/office/drawing/2014/main" id="{B6B344CD-7FB0-46B3-99CB-D4603EBB4E90}"/>
+              </a:ext>
+            </a:extLst>
+          </p:cNvPr>
+          <p:cNvSpPr txBox="1"/>
+          <p:nvPr/>
+        </p:nvSpPr>
+        <p:spPr>
+          <a:xfrm>
+            <a:off x="5148064" y="116632"/>
+            <a:ext cx="4416594" cy="1323439"/>
+          </a:xfrm>
+          <a:prstGeom prst="rect">
+            <a:avLst/>
+          </a:prstGeom>
+          <a:noFill/>
+        </p:spPr>
+        <p:txBody>
+          <a:bodyPr wrap="none" rtlCol="0">
+            <a:spAutoFit/>
+          </a:bodyPr>
+          <a:lstStyle/>
+          <a:p>
+            <a:r>
+              <a:rPr lang="en-US" altLang="ko-KR" sz="2000">
+                <a:latin typeface="Consolas" pitchFamily="49" charset="0"/>
+                <a:cs typeface="Consolas" pitchFamily="49" charset="0"/>
+              </a:rPr>
+              <a:t>decay : </a:t>
+            </a:r>
+            <a:r>
+              <a:rPr lang="ko-KR" altLang="en-US" sz="2000">
+                <a:latin typeface="Consolas" pitchFamily="49" charset="0"/>
+                <a:cs typeface="Consolas" pitchFamily="49" charset="0"/>
+              </a:rPr>
+              <a:t>일반적으로 함수의 이름은</a:t>
+            </a:r>
+            <a:endParaRPr lang="en-US" altLang="ko-KR" sz="2000">
+              <a:latin typeface="Consolas" pitchFamily="49" charset="0"/>
+              <a:cs typeface="Consolas" pitchFamily="49" charset="0"/>
+            </a:endParaRPr>
+          </a:p>
+          <a:p>
+            <a:r>
+              <a:rPr lang="ko-KR" altLang="en-US" sz="2000">
+                <a:latin typeface="Consolas" pitchFamily="49" charset="0"/>
+                <a:cs typeface="Consolas" pitchFamily="49" charset="0"/>
+              </a:rPr>
+              <a:t>함수 기계어 코드의 시작 주소로</a:t>
+            </a:r>
+            <a:endParaRPr lang="en-US" altLang="ko-KR" sz="2000">
+              <a:latin typeface="Consolas" pitchFamily="49" charset="0"/>
+              <a:cs typeface="Consolas" pitchFamily="49" charset="0"/>
+            </a:endParaRPr>
+          </a:p>
+          <a:p>
+            <a:r>
+              <a:rPr lang="ko-KR" altLang="en-US" sz="2000">
+                <a:latin typeface="Consolas" pitchFamily="49" charset="0"/>
+                <a:cs typeface="Consolas" pitchFamily="49" charset="0"/>
+              </a:rPr>
+              <a:t>해석 된다</a:t>
+            </a:r>
+            <a:r>
+              <a:rPr lang="en-US" altLang="ko-KR" sz="2000">
+                <a:latin typeface="Consolas" pitchFamily="49" charset="0"/>
+                <a:cs typeface="Consolas" pitchFamily="49" charset="0"/>
+              </a:rPr>
+              <a:t>. </a:t>
+            </a:r>
+          </a:p>
+          <a:p>
+            <a:r>
+              <a:rPr lang="ko-KR" altLang="en-US" sz="2000">
+                <a:latin typeface="Consolas" pitchFamily="49" charset="0"/>
+                <a:cs typeface="Consolas" pitchFamily="49" charset="0"/>
+              </a:rPr>
+              <a:t>예외</a:t>
+            </a:r>
+            <a:r>
+              <a:rPr lang="en-US" altLang="ko-KR" sz="2000">
+                <a:latin typeface="Consolas" pitchFamily="49" charset="0"/>
+                <a:cs typeface="Consolas" pitchFamily="49" charset="0"/>
+              </a:rPr>
+              <a:t>) &amp;</a:t>
+            </a:r>
+          </a:p>
+        </p:txBody>
+      </p:sp>
+    </p:spTree>
+    <p:extLst>
+      <p:ext uri="{BB962C8B-B14F-4D97-AF65-F5344CB8AC3E}">
+        <p14:creationId xmlns:p14="http://schemas.microsoft.com/office/powerpoint/2010/main" val="2046107591"/>
+      </p:ext>
+    </p:extLst>
+  </p:cSld>
+  <p:clrMapOvr>
+    <a:masterClrMapping/>
+  </p:clrMapOvr>
+</p:sld>
+</file>
+
+<file path=ppt/slides/slide42.xml><?xml version="1.0" encoding="utf-8"?>
+<p:sld xmlns:a="http://schemas.openxmlformats.org/drawingml/2006/main" xmlns:r="http://schemas.openxmlformats.org/officeDocument/2006/relationships" xmlns:p="http://schemas.openxmlformats.org/presentationml/2006/main">
+  <p:cSld>
+    <p:spTree>
+      <p:nvGrpSpPr>
+        <p:cNvPr id="1" name=""/>
+        <p:cNvGrpSpPr/>
+        <p:nvPr/>
+      </p:nvGrpSpPr>
+      <p:grpSpPr>
+        <a:xfrm>
+          <a:off x="0" y="0"/>
+          <a:ext cx="0" cy="0"/>
+          <a:chOff x="0" y="0"/>
+          <a:chExt cx="0" cy="0"/>
+        </a:xfrm>
+      </p:grpSpPr>
+      <p:sp>
+        <p:nvSpPr>
+          <p:cNvPr id="6" name="TextBox 5">
+            <a:extLst>
+              <a:ext uri="{FF2B5EF4-FFF2-40B4-BE49-F238E27FC236}">
+                <a16:creationId xmlns:a16="http://schemas.microsoft.com/office/drawing/2014/main" id="{AA438800-BA19-4F33-89F2-A47F9DC3E315}"/>
+              </a:ext>
+            </a:extLst>
+          </p:cNvPr>
+          <p:cNvSpPr txBox="1"/>
+          <p:nvPr/>
+        </p:nvSpPr>
+        <p:spPr>
+          <a:xfrm>
+            <a:off x="107504" y="116632"/>
+            <a:ext cx="5121915" cy="707886"/>
+          </a:xfrm>
+          <a:prstGeom prst="rect">
+            <a:avLst/>
+          </a:prstGeom>
+          <a:noFill/>
+        </p:spPr>
+        <p:txBody>
+          <a:bodyPr wrap="none" rtlCol="0">
+            <a:spAutoFit/>
+          </a:bodyPr>
+          <a:lstStyle/>
+          <a:p>
+            <a:r>
+              <a:rPr lang="en-US" altLang="ko-KR" sz="2000">
+                <a:latin typeface="Consolas" pitchFamily="49" charset="0"/>
+                <a:cs typeface="Consolas" pitchFamily="49" charset="0"/>
+              </a:rPr>
+              <a:t>int (*(*(*(*q)[2])(void))(void))[2]</a:t>
+            </a:r>
+          </a:p>
+          <a:p>
+            <a:endParaRPr lang="en-US" altLang="ko-KR" sz="2000">
+              <a:latin typeface="Consolas" pitchFamily="49" charset="0"/>
+              <a:cs typeface="Consolas" pitchFamily="49" charset="0"/>
+            </a:endParaRPr>
+          </a:p>
+        </p:txBody>
+      </p:sp>
+      <p:sp>
+        <p:nvSpPr>
+          <p:cNvPr id="4" name="TextBox 3">
+            <a:extLst>
+              <a:ext uri="{FF2B5EF4-FFF2-40B4-BE49-F238E27FC236}">
+                <a16:creationId xmlns:a16="http://schemas.microsoft.com/office/drawing/2014/main" id="{306E2BA4-9017-4C9B-BCF6-8E20191F5A1C}"/>
+              </a:ext>
+            </a:extLst>
+          </p:cNvPr>
+          <p:cNvSpPr txBox="1"/>
+          <p:nvPr/>
+        </p:nvSpPr>
+        <p:spPr>
+          <a:xfrm>
+            <a:off x="323528" y="692696"/>
+            <a:ext cx="3570208" cy="2862322"/>
+          </a:xfrm>
+          <a:prstGeom prst="rect">
+            <a:avLst/>
+          </a:prstGeom>
+          <a:noFill/>
+        </p:spPr>
+        <p:txBody>
+          <a:bodyPr wrap="none" rtlCol="0">
+            <a:spAutoFit/>
+          </a:bodyPr>
+          <a:lstStyle/>
+          <a:p>
+            <a:r>
+              <a:rPr lang="en-US" altLang="ko-KR" sz="2000">
+                <a:latin typeface="Consolas" pitchFamily="49" charset="0"/>
+                <a:cs typeface="Consolas" pitchFamily="49" charset="0"/>
+              </a:rPr>
+              <a:t>pointer to</a:t>
+            </a:r>
+          </a:p>
+          <a:p>
+            <a:r>
+              <a:rPr lang="en-US" altLang="ko-KR" sz="2000">
+                <a:latin typeface="Consolas" pitchFamily="49" charset="0"/>
+                <a:cs typeface="Consolas" pitchFamily="49" charset="0"/>
+              </a:rPr>
+              <a:t>array of 2</a:t>
+            </a:r>
+          </a:p>
+          <a:p>
+            <a:r>
+              <a:rPr lang="en-US" altLang="ko-KR" sz="2000">
+                <a:latin typeface="Consolas" pitchFamily="49" charset="0"/>
+                <a:cs typeface="Consolas" pitchFamily="49" charset="0"/>
+              </a:rPr>
+              <a:t>pointer to</a:t>
+            </a:r>
+          </a:p>
+          <a:p>
+            <a:r>
+              <a:rPr lang="en-US" altLang="ko-KR" sz="2000">
+                <a:latin typeface="Consolas" pitchFamily="49" charset="0"/>
+                <a:cs typeface="Consolas" pitchFamily="49" charset="0"/>
+              </a:rPr>
+              <a:t>function(void) returning</a:t>
+            </a:r>
+          </a:p>
+          <a:p>
+            <a:r>
+              <a:rPr lang="en-US" altLang="ko-KR" sz="2000">
+                <a:latin typeface="Consolas" pitchFamily="49" charset="0"/>
+                <a:cs typeface="Consolas" pitchFamily="49" charset="0"/>
+              </a:rPr>
+              <a:t>pointer to</a:t>
+            </a:r>
+          </a:p>
+          <a:p>
+            <a:r>
+              <a:rPr lang="en-US" altLang="ko-KR" sz="2000">
+                <a:latin typeface="Consolas" pitchFamily="49" charset="0"/>
+                <a:cs typeface="Consolas" pitchFamily="49" charset="0"/>
+              </a:rPr>
+              <a:t>function(void) returning</a:t>
+            </a:r>
+          </a:p>
+          <a:p>
+            <a:r>
+              <a:rPr lang="en-US" altLang="ko-KR" sz="2000">
+                <a:latin typeface="Consolas" pitchFamily="49" charset="0"/>
+                <a:cs typeface="Consolas" pitchFamily="49" charset="0"/>
+              </a:rPr>
+              <a:t>pointer to</a:t>
+            </a:r>
+          </a:p>
+          <a:p>
+            <a:r>
+              <a:rPr lang="en-US" altLang="ko-KR" sz="2000">
+                <a:latin typeface="Consolas" pitchFamily="49" charset="0"/>
+                <a:cs typeface="Consolas" pitchFamily="49" charset="0"/>
+              </a:rPr>
+              <a:t>array of 2</a:t>
+            </a:r>
+          </a:p>
+          <a:p>
+            <a:r>
+              <a:rPr lang="en-US" altLang="ko-KR" sz="2000">
+                <a:latin typeface="Consolas" pitchFamily="49" charset="0"/>
+                <a:cs typeface="Consolas" pitchFamily="49" charset="0"/>
+              </a:rPr>
+              <a:t>int</a:t>
+            </a:r>
+          </a:p>
+        </p:txBody>
+      </p:sp>
+    </p:spTree>
+    <p:extLst>
+      <p:ext uri="{BB962C8B-B14F-4D97-AF65-F5344CB8AC3E}">
+        <p14:creationId xmlns:p14="http://schemas.microsoft.com/office/powerpoint/2010/main" val="1610806552"/>
+      </p:ext>
+    </p:extLst>
+  </p:cSld>
+  <p:clrMapOvr>
+    <a:masterClrMapping/>
+  </p:clrMapOvr>
+</p:sld>
+</file>
+
+<file path=ppt/slides/slide43.xml><?xml version="1.0" encoding="utf-8"?>
+<p:sld xmlns:a="http://schemas.openxmlformats.org/drawingml/2006/main" xmlns:r="http://schemas.openxmlformats.org/officeDocument/2006/relationships" xmlns:p="http://schemas.openxmlformats.org/presentationml/2006/main">
+  <p:cSld>
+    <p:spTree>
+      <p:nvGrpSpPr>
+        <p:cNvPr id="1" name=""/>
+        <p:cNvGrpSpPr/>
+        <p:nvPr/>
+      </p:nvGrpSpPr>
+      <p:grpSpPr>
+        <a:xfrm>
+          <a:off x="0" y="0"/>
+          <a:ext cx="0" cy="0"/>
+          <a:chOff x="0" y="0"/>
+          <a:chExt cx="0" cy="0"/>
+        </a:xfrm>
+      </p:grpSpPr>
+      <p:sp>
+        <p:nvSpPr>
+          <p:cNvPr id="4" name="TextBox 3">
+            <a:extLst>
+              <a:ext uri="{FF2B5EF4-FFF2-40B4-BE49-F238E27FC236}">
+                <a16:creationId xmlns:a16="http://schemas.microsoft.com/office/drawing/2014/main" id="{306E2BA4-9017-4C9B-BCF6-8E20191F5A1C}"/>
+              </a:ext>
+            </a:extLst>
+          </p:cNvPr>
+          <p:cNvSpPr txBox="1"/>
+          <p:nvPr/>
+        </p:nvSpPr>
+        <p:spPr>
+          <a:xfrm>
+            <a:off x="179512" y="-1107504"/>
+            <a:ext cx="6045245" cy="9017853"/>
+          </a:xfrm>
+          <a:prstGeom prst="rect">
+            <a:avLst/>
+          </a:prstGeom>
+          <a:noFill/>
+        </p:spPr>
+        <p:txBody>
+          <a:bodyPr wrap="none" rtlCol="0">
+            <a:spAutoFit/>
+          </a:bodyPr>
+          <a:lstStyle/>
+          <a:p>
+            <a:r>
+              <a:rPr lang="en-US" altLang="ko-KR" sz="2000">
+                <a:latin typeface="Consolas" pitchFamily="49" charset="0"/>
+                <a:cs typeface="Consolas" pitchFamily="49" charset="0"/>
+              </a:rPr>
+              <a:t>typedef int FP1[2];</a:t>
+            </a:r>
+          </a:p>
+          <a:p>
+            <a:r>
+              <a:rPr lang="en-US" altLang="ko-KR" sz="2000">
+                <a:latin typeface="Consolas" pitchFamily="49" charset="0"/>
+                <a:cs typeface="Consolas" pitchFamily="49" charset="0"/>
+              </a:rPr>
+              <a:t>typedef FP1* FP2;</a:t>
+            </a:r>
+          </a:p>
+          <a:p>
+            <a:r>
+              <a:rPr lang="en-US" altLang="ko-KR" sz="2000">
+                <a:latin typeface="Consolas" pitchFamily="49" charset="0"/>
+                <a:cs typeface="Consolas" pitchFamily="49" charset="0"/>
+              </a:rPr>
+              <a:t>typedef FP2 FP3(void);</a:t>
+            </a:r>
+          </a:p>
+          <a:p>
+            <a:r>
+              <a:rPr lang="en-US" altLang="ko-KR" sz="2000">
+                <a:latin typeface="Consolas" pitchFamily="49" charset="0"/>
+                <a:cs typeface="Consolas" pitchFamily="49" charset="0"/>
+              </a:rPr>
+              <a:t>typedef FP3* FP4;</a:t>
+            </a:r>
+          </a:p>
+          <a:p>
+            <a:r>
+              <a:rPr lang="en-US" altLang="ko-KR" sz="2000">
+                <a:latin typeface="Consolas" pitchFamily="49" charset="0"/>
+                <a:cs typeface="Consolas" pitchFamily="49" charset="0"/>
+              </a:rPr>
+              <a:t>typedef FP4 FP5(void);</a:t>
+            </a:r>
+          </a:p>
+          <a:p>
+            <a:r>
+              <a:rPr lang="en-US" altLang="ko-KR" sz="2000">
+                <a:latin typeface="Consolas" pitchFamily="49" charset="0"/>
+                <a:cs typeface="Consolas" pitchFamily="49" charset="0"/>
+              </a:rPr>
+              <a:t>typedef FP5* FP6;</a:t>
+            </a:r>
+          </a:p>
+          <a:p>
+            <a:r>
+              <a:rPr lang="en-US" altLang="ko-KR" sz="2000">
+                <a:latin typeface="Consolas" pitchFamily="49" charset="0"/>
+                <a:cs typeface="Consolas" pitchFamily="49" charset="0"/>
+              </a:rPr>
+              <a:t>typedef FP6 FP7[2];</a:t>
+            </a:r>
+          </a:p>
+          <a:p>
+            <a:r>
+              <a:rPr lang="en-US" altLang="ko-KR" sz="2000">
+                <a:latin typeface="Consolas" pitchFamily="49" charset="0"/>
+                <a:cs typeface="Consolas" pitchFamily="49" charset="0"/>
+              </a:rPr>
+              <a:t>typedef FP7* FP8;</a:t>
+            </a:r>
+          </a:p>
+          <a:p>
+            <a:r>
+              <a:rPr lang="en-US" altLang="ko-KR" sz="2000">
+                <a:latin typeface="Consolas" pitchFamily="49" charset="0"/>
+                <a:cs typeface="Consolas" pitchFamily="49" charset="0"/>
+              </a:rPr>
+              <a:t>FP2 aaa(void)</a:t>
+            </a:r>
+          </a:p>
+          <a:p>
+            <a:r>
+              <a:rPr lang="en-US" altLang="ko-KR" sz="2000">
+                <a:latin typeface="Consolas" pitchFamily="49" charset="0"/>
+                <a:cs typeface="Consolas" pitchFamily="49" charset="0"/>
+              </a:rPr>
+              <a:t>{</a:t>
+            </a:r>
+          </a:p>
+          <a:p>
+            <a:r>
+              <a:rPr lang="en-US" altLang="ko-KR" sz="2000">
+                <a:latin typeface="Consolas" pitchFamily="49" charset="0"/>
+                <a:cs typeface="Consolas" pitchFamily="49" charset="0"/>
+              </a:rPr>
+              <a:t>	static int a[2][2];</a:t>
+            </a:r>
+          </a:p>
+          <a:p>
+            <a:r>
+              <a:rPr lang="en-US" altLang="ko-KR" sz="2000">
+                <a:latin typeface="Consolas" pitchFamily="49" charset="0"/>
+                <a:cs typeface="Consolas" pitchFamily="49" charset="0"/>
+              </a:rPr>
+              <a:t>	printf("aaa(void)\n");</a:t>
+            </a:r>
+          </a:p>
+          <a:p>
+            <a:r>
+              <a:rPr lang="en-US" altLang="ko-KR" sz="2000">
+                <a:latin typeface="Consolas" pitchFamily="49" charset="0"/>
+                <a:cs typeface="Consolas" pitchFamily="49" charset="0"/>
+              </a:rPr>
+              <a:t>	return a;</a:t>
+            </a:r>
+          </a:p>
+          <a:p>
+            <a:r>
+              <a:rPr lang="en-US" altLang="ko-KR" sz="2000">
+                <a:latin typeface="Consolas" pitchFamily="49" charset="0"/>
+                <a:cs typeface="Consolas" pitchFamily="49" charset="0"/>
+              </a:rPr>
+              <a:t>}</a:t>
+            </a:r>
+          </a:p>
+          <a:p>
+            <a:endParaRPr lang="en-US" altLang="ko-KR" sz="2000">
+              <a:latin typeface="Consolas" pitchFamily="49" charset="0"/>
+              <a:cs typeface="Consolas" pitchFamily="49" charset="0"/>
+            </a:endParaRPr>
+          </a:p>
+          <a:p>
+            <a:r>
+              <a:rPr lang="en-US" altLang="ko-KR" sz="2000">
+                <a:latin typeface="Consolas" pitchFamily="49" charset="0"/>
+                <a:cs typeface="Consolas" pitchFamily="49" charset="0"/>
+              </a:rPr>
+              <a:t>FP4 bbb(void)</a:t>
+            </a:r>
+          </a:p>
+          <a:p>
+            <a:r>
+              <a:rPr lang="en-US" altLang="ko-KR" sz="2000">
+                <a:latin typeface="Consolas" pitchFamily="49" charset="0"/>
+                <a:cs typeface="Consolas" pitchFamily="49" charset="0"/>
+              </a:rPr>
+              <a:t>{</a:t>
+            </a:r>
+          </a:p>
+          <a:p>
+            <a:r>
+              <a:rPr lang="en-US" altLang="ko-KR" sz="2000">
+                <a:latin typeface="Consolas" pitchFamily="49" charset="0"/>
+                <a:cs typeface="Consolas" pitchFamily="49" charset="0"/>
+              </a:rPr>
+              <a:t>     printf("bbb(void)\n");</a:t>
+            </a:r>
+          </a:p>
+          <a:p>
+            <a:r>
+              <a:rPr lang="en-US" altLang="ko-KR" sz="2000">
+                <a:latin typeface="Consolas" pitchFamily="49" charset="0"/>
+                <a:cs typeface="Consolas" pitchFamily="49" charset="0"/>
+              </a:rPr>
+              <a:t>     return aaa;</a:t>
+            </a:r>
+          </a:p>
+          <a:p>
+            <a:r>
+              <a:rPr lang="en-US" altLang="ko-KR" sz="2000">
+                <a:latin typeface="Consolas" pitchFamily="49" charset="0"/>
+                <a:cs typeface="Consolas" pitchFamily="49" charset="0"/>
+              </a:rPr>
+              <a:t>}</a:t>
+            </a:r>
+          </a:p>
+          <a:p>
+            <a:endParaRPr lang="en-US" altLang="ko-KR" sz="2000">
+              <a:latin typeface="Consolas" pitchFamily="49" charset="0"/>
+              <a:cs typeface="Consolas" pitchFamily="49" charset="0"/>
+            </a:endParaRPr>
+          </a:p>
+          <a:p>
+            <a:r>
+              <a:rPr lang="en-US" altLang="ko-KR" sz="2000">
+                <a:latin typeface="Consolas" pitchFamily="49" charset="0"/>
+                <a:cs typeface="Consolas" pitchFamily="49" charset="0"/>
+              </a:rPr>
+              <a:t>int main()</a:t>
+            </a:r>
+          </a:p>
+          <a:p>
+            <a:r>
+              <a:rPr lang="en-US" altLang="ko-KR" sz="2000">
+                <a:latin typeface="Consolas" pitchFamily="49" charset="0"/>
+                <a:cs typeface="Consolas" pitchFamily="49" charset="0"/>
+              </a:rPr>
+              <a:t>{</a:t>
+            </a:r>
+          </a:p>
+          <a:p>
+            <a:r>
+              <a:rPr lang="en-US" altLang="ko-KR" sz="2000">
+                <a:latin typeface="Consolas" pitchFamily="49" charset="0"/>
+                <a:cs typeface="Consolas" pitchFamily="49" charset="0"/>
+              </a:rPr>
+              <a:t>	FP6 p[2][2]= {{bbb,bbb},{bbb,bbb}};</a:t>
+            </a:r>
+          </a:p>
+          <a:p>
+            <a:r>
+              <a:rPr lang="en-US" altLang="ko-KR" sz="2000">
+                <a:latin typeface="Consolas" pitchFamily="49" charset="0"/>
+                <a:cs typeface="Consolas" pitchFamily="49" charset="0"/>
+              </a:rPr>
+              <a:t>	FP8 q = p;</a:t>
+            </a:r>
+          </a:p>
+          <a:p>
+            <a:r>
+              <a:rPr lang="en-US" altLang="ko-KR" sz="2000">
+                <a:latin typeface="Consolas" pitchFamily="49" charset="0"/>
+                <a:cs typeface="Consolas" pitchFamily="49" charset="0"/>
+              </a:rPr>
+              <a:t>	q[1][1]()()[1][1] = 10;</a:t>
+            </a:r>
+          </a:p>
+          <a:p>
+            <a:r>
+              <a:rPr lang="en-US" altLang="ko-KR" sz="2000">
+                <a:latin typeface="Consolas" pitchFamily="49" charset="0"/>
+                <a:cs typeface="Consolas" pitchFamily="49" charset="0"/>
+              </a:rPr>
+              <a:t>	return 0;</a:t>
+            </a:r>
+          </a:p>
+          <a:p>
+            <a:r>
+              <a:rPr lang="en-US" altLang="ko-KR" sz="2000">
+                <a:latin typeface="Consolas" pitchFamily="49" charset="0"/>
+                <a:cs typeface="Consolas" pitchFamily="49" charset="0"/>
+              </a:rPr>
+              <a:t>}</a:t>
+            </a:r>
+          </a:p>
+          <a:p>
+            <a:endParaRPr lang="en-US" altLang="ko-KR" sz="2000">
+              <a:latin typeface="Consolas" pitchFamily="49" charset="0"/>
+              <a:cs typeface="Consolas" pitchFamily="49" charset="0"/>
+            </a:endParaRPr>
+          </a:p>
+        </p:txBody>
+      </p:sp>
+    </p:spTree>
+    <p:extLst>
+      <p:ext uri="{BB962C8B-B14F-4D97-AF65-F5344CB8AC3E}">
+        <p14:creationId xmlns:p14="http://schemas.microsoft.com/office/powerpoint/2010/main" val="1963103472"/>
+      </p:ext>
+    </p:extLst>
+  </p:cSld>
+  <p:clrMapOvr>
+    <a:masterClrMapping/>
+  </p:clrMapOvr>
+</p:sld>
+</file>
+
+<file path=ppt/slides/slide44.xml><?xml version="1.0" encoding="utf-8"?>
+<p:sld xmlns:a="http://schemas.openxmlformats.org/drawingml/2006/main" xmlns:r="http://schemas.openxmlformats.org/officeDocument/2006/relationships" xmlns:p="http://schemas.openxmlformats.org/presentationml/2006/main">
+  <p:cSld>
+    <p:spTree>
+      <p:nvGrpSpPr>
+        <p:cNvPr id="1" name=""/>
+        <p:cNvGrpSpPr/>
+        <p:nvPr/>
+      </p:nvGrpSpPr>
+      <p:grpSpPr>
+        <a:xfrm>
+          <a:off x="0" y="0"/>
+          <a:ext cx="0" cy="0"/>
+          <a:chOff x="0" y="0"/>
+          <a:chExt cx="0" cy="0"/>
+        </a:xfrm>
+      </p:grpSpPr>
+      <p:sp>
+        <p:nvSpPr>
+          <p:cNvPr id="4" name="TextBox 3">
+            <a:extLst>
+              <a:ext uri="{FF2B5EF4-FFF2-40B4-BE49-F238E27FC236}">
+                <a16:creationId xmlns:a16="http://schemas.microsoft.com/office/drawing/2014/main" id="{306E2BA4-9017-4C9B-BCF6-8E20191F5A1C}"/>
+              </a:ext>
+            </a:extLst>
+          </p:cNvPr>
+          <p:cNvSpPr txBox="1"/>
+          <p:nvPr/>
+        </p:nvSpPr>
+        <p:spPr>
+          <a:xfrm>
+            <a:off x="107504" y="-531440"/>
+            <a:ext cx="7378943" cy="7786747"/>
+          </a:xfrm>
+          <a:prstGeom prst="rect">
+            <a:avLst/>
+          </a:prstGeom>
+          <a:noFill/>
+        </p:spPr>
+        <p:txBody>
+          <a:bodyPr wrap="none" rtlCol="0">
+            <a:spAutoFit/>
+          </a:bodyPr>
+          <a:lstStyle/>
+          <a:p>
+            <a:r>
+              <a:rPr lang="en-US" altLang="ko-KR" sz="2000">
+                <a:latin typeface="Consolas" pitchFamily="49" charset="0"/>
+                <a:cs typeface="Consolas" pitchFamily="49" charset="0"/>
+              </a:rPr>
+              <a:t>typedef int (*FP1)[2];</a:t>
+            </a:r>
+          </a:p>
+          <a:p>
+            <a:r>
+              <a:rPr lang="en-US" altLang="ko-KR" sz="2000">
+                <a:latin typeface="Consolas" pitchFamily="49" charset="0"/>
+                <a:cs typeface="Consolas" pitchFamily="49" charset="0"/>
+              </a:rPr>
+              <a:t>typedef FP1 (*FP2)(void);</a:t>
+            </a:r>
+          </a:p>
+          <a:p>
+            <a:r>
+              <a:rPr lang="en-US" altLang="ko-KR" sz="2000">
+                <a:latin typeface="Consolas" pitchFamily="49" charset="0"/>
+                <a:cs typeface="Consolas" pitchFamily="49" charset="0"/>
+              </a:rPr>
+              <a:t>typedef FP2 (*FP3)(void);</a:t>
+            </a:r>
+          </a:p>
+          <a:p>
+            <a:r>
+              <a:rPr lang="en-US" altLang="ko-KR" sz="2000">
+                <a:latin typeface="Consolas" pitchFamily="49" charset="0"/>
+                <a:cs typeface="Consolas" pitchFamily="49" charset="0"/>
+              </a:rPr>
+              <a:t>typedef FP3 (*FP4)[2];</a:t>
+            </a:r>
+          </a:p>
+          <a:p>
+            <a:r>
+              <a:rPr lang="en-US" altLang="ko-KR" sz="2000">
+                <a:latin typeface="Consolas" pitchFamily="49" charset="0"/>
+                <a:cs typeface="Consolas" pitchFamily="49" charset="0"/>
+              </a:rPr>
+              <a:t>//-------------------------------------------------</a:t>
+            </a:r>
+          </a:p>
+          <a:p>
+            <a:r>
+              <a:rPr lang="en-US" altLang="ko-KR" sz="2000">
+                <a:latin typeface="Consolas" pitchFamily="49" charset="0"/>
+                <a:cs typeface="Consolas" pitchFamily="49" charset="0"/>
+              </a:rPr>
+              <a:t>FP1 aaa(void)</a:t>
+            </a:r>
+          </a:p>
+          <a:p>
+            <a:r>
+              <a:rPr lang="en-US" altLang="ko-KR" sz="2000">
+                <a:latin typeface="Consolas" pitchFamily="49" charset="0"/>
+                <a:cs typeface="Consolas" pitchFamily="49" charset="0"/>
+              </a:rPr>
+              <a:t>{</a:t>
+            </a:r>
+          </a:p>
+          <a:p>
+            <a:r>
+              <a:rPr lang="en-US" altLang="ko-KR" sz="2000">
+                <a:latin typeface="Consolas" pitchFamily="49" charset="0"/>
+                <a:cs typeface="Consolas" pitchFamily="49" charset="0"/>
+              </a:rPr>
+              <a:t>	static int a[2][2];</a:t>
+            </a:r>
+          </a:p>
+          <a:p>
+            <a:r>
+              <a:rPr lang="en-US" altLang="ko-KR" sz="2000">
+                <a:latin typeface="Consolas" pitchFamily="49" charset="0"/>
+                <a:cs typeface="Consolas" pitchFamily="49" charset="0"/>
+              </a:rPr>
+              <a:t>	printf("aaa(void)\n");</a:t>
+            </a:r>
+          </a:p>
+          <a:p>
+            <a:r>
+              <a:rPr lang="en-US" altLang="ko-KR" sz="2000">
+                <a:latin typeface="Consolas" pitchFamily="49" charset="0"/>
+                <a:cs typeface="Consolas" pitchFamily="49" charset="0"/>
+              </a:rPr>
+              <a:t>	return a;</a:t>
+            </a:r>
+          </a:p>
+          <a:p>
+            <a:r>
+              <a:rPr lang="en-US" altLang="ko-KR" sz="2000">
+                <a:latin typeface="Consolas" pitchFamily="49" charset="0"/>
+                <a:cs typeface="Consolas" pitchFamily="49" charset="0"/>
+              </a:rPr>
+              <a:t>}</a:t>
+            </a:r>
+          </a:p>
+          <a:p>
+            <a:r>
+              <a:rPr lang="en-US" altLang="ko-KR" sz="2000">
+                <a:latin typeface="Consolas" pitchFamily="49" charset="0"/>
+                <a:cs typeface="Consolas" pitchFamily="49" charset="0"/>
+              </a:rPr>
+              <a:t>FP2 bbb(void)</a:t>
+            </a:r>
+          </a:p>
+          <a:p>
+            <a:r>
+              <a:rPr lang="en-US" altLang="ko-KR" sz="2000">
+                <a:latin typeface="Consolas" pitchFamily="49" charset="0"/>
+                <a:cs typeface="Consolas" pitchFamily="49" charset="0"/>
+              </a:rPr>
+              <a:t>{</a:t>
+            </a:r>
+          </a:p>
+          <a:p>
+            <a:r>
+              <a:rPr lang="en-US" altLang="ko-KR" sz="2000">
+                <a:latin typeface="Consolas" pitchFamily="49" charset="0"/>
+                <a:cs typeface="Consolas" pitchFamily="49" charset="0"/>
+              </a:rPr>
+              <a:t>     printf("bbb(void)\n");</a:t>
+            </a:r>
+          </a:p>
+          <a:p>
+            <a:r>
+              <a:rPr lang="en-US" altLang="ko-KR" sz="2000">
+                <a:latin typeface="Consolas" pitchFamily="49" charset="0"/>
+                <a:cs typeface="Consolas" pitchFamily="49" charset="0"/>
+              </a:rPr>
+              <a:t>     return aaa;</a:t>
+            </a:r>
+          </a:p>
+          <a:p>
+            <a:r>
+              <a:rPr lang="en-US" altLang="ko-KR" sz="2000">
+                <a:latin typeface="Consolas" pitchFamily="49" charset="0"/>
+                <a:cs typeface="Consolas" pitchFamily="49" charset="0"/>
+              </a:rPr>
+              <a:t>}</a:t>
+            </a:r>
+          </a:p>
+          <a:p>
+            <a:endParaRPr lang="en-US" altLang="ko-KR" sz="2000">
+              <a:latin typeface="Consolas" pitchFamily="49" charset="0"/>
+              <a:cs typeface="Consolas" pitchFamily="49" charset="0"/>
+            </a:endParaRPr>
+          </a:p>
+          <a:p>
+            <a:r>
+              <a:rPr lang="en-US" altLang="ko-KR" sz="2000">
+                <a:latin typeface="Consolas" pitchFamily="49" charset="0"/>
+                <a:cs typeface="Consolas" pitchFamily="49" charset="0"/>
+              </a:rPr>
+              <a:t>int main()</a:t>
+            </a:r>
+          </a:p>
+          <a:p>
+            <a:r>
+              <a:rPr lang="en-US" altLang="ko-KR" sz="2000">
+                <a:latin typeface="Consolas" pitchFamily="49" charset="0"/>
+                <a:cs typeface="Consolas" pitchFamily="49" charset="0"/>
+              </a:rPr>
+              <a:t>{</a:t>
+            </a:r>
+          </a:p>
+          <a:p>
+            <a:r>
+              <a:rPr lang="en-US" altLang="ko-KR" sz="2000">
+                <a:latin typeface="Consolas" pitchFamily="49" charset="0"/>
+                <a:cs typeface="Consolas" pitchFamily="49" charset="0"/>
+              </a:rPr>
+              <a:t>	FP3 p[2][2]= {{bbb,bbb},{bbb,bbb}};</a:t>
+            </a:r>
+          </a:p>
+          <a:p>
+            <a:r>
+              <a:rPr lang="en-US" altLang="ko-KR" sz="2000">
+                <a:latin typeface="Consolas" pitchFamily="49" charset="0"/>
+                <a:cs typeface="Consolas" pitchFamily="49" charset="0"/>
+              </a:rPr>
+              <a:t>	FP4 q = p;</a:t>
+            </a:r>
+          </a:p>
+          <a:p>
+            <a:r>
+              <a:rPr lang="en-US" altLang="ko-KR" sz="2000">
+                <a:latin typeface="Consolas" pitchFamily="49" charset="0"/>
+                <a:cs typeface="Consolas" pitchFamily="49" charset="0"/>
+              </a:rPr>
+              <a:t>	q[1][1]()()[1][1] = 10;</a:t>
+            </a:r>
+          </a:p>
+          <a:p>
+            <a:r>
+              <a:rPr lang="en-US" altLang="ko-KR" sz="2000">
+                <a:latin typeface="Consolas" pitchFamily="49" charset="0"/>
+                <a:cs typeface="Consolas" pitchFamily="49" charset="0"/>
+              </a:rPr>
+              <a:t>	return 0;</a:t>
+            </a:r>
+          </a:p>
+          <a:p>
+            <a:r>
+              <a:rPr lang="en-US" altLang="ko-KR" sz="2000">
+                <a:latin typeface="Consolas" pitchFamily="49" charset="0"/>
+                <a:cs typeface="Consolas" pitchFamily="49" charset="0"/>
+              </a:rPr>
+              <a:t>}</a:t>
+            </a:r>
+          </a:p>
+          <a:p>
+            <a:endParaRPr lang="en-US" altLang="ko-KR" sz="2000">
+              <a:latin typeface="Consolas" pitchFamily="49" charset="0"/>
+              <a:cs typeface="Consolas" pitchFamily="49" charset="0"/>
+            </a:endParaRPr>
+          </a:p>
+        </p:txBody>
+      </p:sp>
+    </p:spTree>
+    <p:extLst>
+      <p:ext uri="{BB962C8B-B14F-4D97-AF65-F5344CB8AC3E}">
+        <p14:creationId xmlns:p14="http://schemas.microsoft.com/office/powerpoint/2010/main" val="24279797"/>
       </p:ext>
     </p:extLst>
   </p:cSld>
